--- a/Project4.pptx
+++ b/Project4.pptx
@@ -5,10 +5,10 @@
     <p:sldMasterId id="2147483660" r:id="rId4"/>
   </p:sldMasterIdLst>
   <p:notesMasterIdLst>
-    <p:notesMasterId r:id="rId22"/>
+    <p:notesMasterId r:id="rId21"/>
   </p:notesMasterIdLst>
   <p:handoutMasterIdLst>
-    <p:handoutMasterId r:id="rId23"/>
+    <p:handoutMasterId r:id="rId22"/>
   </p:handoutMasterIdLst>
   <p:sldIdLst>
     <p:sldId id="256" r:id="rId5"/>
@@ -25,9 +25,8 @@
     <p:sldId id="316" r:id="rId16"/>
     <p:sldId id="315" r:id="rId17"/>
     <p:sldId id="318" r:id="rId18"/>
-    <p:sldId id="310" r:id="rId19"/>
-    <p:sldId id="288" r:id="rId20"/>
-    <p:sldId id="295" r:id="rId21"/>
+    <p:sldId id="288" r:id="rId19"/>
+    <p:sldId id="295" r:id="rId20"/>
   </p:sldIdLst>
   <p:sldSz cx="12192000" cy="6858000"/>
   <p:notesSz cx="6858000" cy="9144000"/>
@@ -1271,7 +1270,7 @@
     </p:spTree>
     <p:extLst>
       <p:ext uri="{BB962C8B-B14F-4D97-AF65-F5344CB8AC3E}">
-        <p14:creationId xmlns:p14="http://schemas.microsoft.com/office/powerpoint/2010/main" val="3819814078"/>
+        <p14:creationId xmlns:p14="http://schemas.microsoft.com/office/powerpoint/2010/main" val="2304065177"/>
       </p:ext>
     </p:extLst>
   </p:cSld>
@@ -1364,107 +1363,6 @@
             <a:fld id="{F07F282E-55F5-4803-B60F-09BA4600E538}" type="slidenum">
               <a:rPr lang="en-US" smtClean="0"/>
               <a:t>16</a:t>
-            </a:fld>
-            <a:endParaRPr lang="en-US" dirty="0"/>
-          </a:p>
-        </p:txBody>
-      </p:sp>
-    </p:spTree>
-    <p:extLst>
-      <p:ext uri="{BB962C8B-B14F-4D97-AF65-F5344CB8AC3E}">
-        <p14:creationId xmlns:p14="http://schemas.microsoft.com/office/powerpoint/2010/main" val="2304065177"/>
-      </p:ext>
-    </p:extLst>
-  </p:cSld>
-  <p:clrMapOvr>
-    <a:masterClrMapping/>
-  </p:clrMapOvr>
-</p:notes>
-</file>
-
-<file path=ppt/notesSlides/notesSlide16.xml><?xml version="1.0" encoding="utf-8"?>
-<p:notes xmlns:a="http://schemas.openxmlformats.org/drawingml/2006/main" xmlns:r="http://schemas.openxmlformats.org/officeDocument/2006/relationships" xmlns:p="http://schemas.openxmlformats.org/presentationml/2006/main">
-  <p:cSld>
-    <p:spTree>
-      <p:nvGrpSpPr>
-        <p:cNvPr id="1" name=""/>
-        <p:cNvGrpSpPr/>
-        <p:nvPr/>
-      </p:nvGrpSpPr>
-      <p:grpSpPr>
-        <a:xfrm>
-          <a:off x="0" y="0"/>
-          <a:ext cx="0" cy="0"/>
-          <a:chOff x="0" y="0"/>
-          <a:chExt cx="0" cy="0"/>
-        </a:xfrm>
-      </p:grpSpPr>
-      <p:sp>
-        <p:nvSpPr>
-          <p:cNvPr id="2" name="Slide Image Placeholder 1"/>
-          <p:cNvSpPr>
-            <a:spLocks noGrp="1" noRot="1" noChangeAspect="1"/>
-          </p:cNvSpPr>
-          <p:nvPr>
-            <p:ph type="sldImg"/>
-          </p:nvPr>
-        </p:nvSpPr>
-        <p:spPr/>
-      </p:sp>
-      <p:sp>
-        <p:nvSpPr>
-          <p:cNvPr id="3" name="Notes Placeholder 2"/>
-          <p:cNvSpPr>
-            <a:spLocks noGrp="1"/>
-          </p:cNvSpPr>
-          <p:nvPr>
-            <p:ph type="body" idx="1"/>
-          </p:nvPr>
-        </p:nvSpPr>
-        <p:spPr/>
-        <p:txBody>
-          <a:bodyPr/>
-          <a:lstStyle/>
-          <a:p>
-            <a:pPr marL="0" marR="0" lvl="0" indent="0" algn="l" defTabSz="914400" rtl="0" eaLnBrk="1" fontAlgn="auto" latinLnBrk="0" hangingPunct="1">
-              <a:lnSpc>
-                <a:spcPct val="100000"/>
-              </a:lnSpc>
-              <a:spcBef>
-                <a:spcPts val="0"/>
-              </a:spcBef>
-              <a:spcAft>
-                <a:spcPts val="0"/>
-              </a:spcAft>
-              <a:buClrTx/>
-              <a:buSzTx/>
-              <a:buFontTx/>
-              <a:buNone/>
-              <a:tabLst/>
-              <a:defRPr/>
-            </a:pPr>
-            <a:endParaRPr lang="en-US" dirty="0"/>
-          </a:p>
-        </p:txBody>
-      </p:sp>
-      <p:sp>
-        <p:nvSpPr>
-          <p:cNvPr id="4" name="Slide Number Placeholder 3"/>
-          <p:cNvSpPr>
-            <a:spLocks noGrp="1"/>
-          </p:cNvSpPr>
-          <p:nvPr>
-            <p:ph type="sldNum" sz="quarter" idx="5"/>
-          </p:nvPr>
-        </p:nvSpPr>
-        <p:spPr/>
-        <p:txBody>
-          <a:bodyPr/>
-          <a:lstStyle/>
-          <a:p>
-            <a:fld id="{F07F282E-55F5-4803-B60F-09BA4600E538}" type="slidenum">
-              <a:rPr lang="en-US" smtClean="0"/>
-              <a:t>17</a:t>
             </a:fld>
             <a:endParaRPr lang="en-US" dirty="0"/>
           </a:p>
@@ -13329,10 +13227,10 @@
       </p:grpSpPr>
       <p:sp>
         <p:nvSpPr>
-          <p:cNvPr id="4" name="Title 3">
-            <a:extLst>
-              <a:ext uri="{FF2B5EF4-FFF2-40B4-BE49-F238E27FC236}">
-                <a16:creationId xmlns:a16="http://schemas.microsoft.com/office/drawing/2014/main" id="{C0235702-D252-448C-B19A-B3316C4F88E2}"/>
+          <p:cNvPr id="7" name="Title 6">
+            <a:extLst>
+              <a:ext uri="{FF2B5EF4-FFF2-40B4-BE49-F238E27FC236}">
+                <a16:creationId xmlns:a16="http://schemas.microsoft.com/office/drawing/2014/main" id="{5794278F-BBE1-4D62-8038-1FE9C98B6D37}"/>
               </a:ext>
             </a:extLst>
           </p:cNvPr>
@@ -13345,29 +13243,134 @@
         </p:nvSpPr>
         <p:spPr>
           <a:xfrm>
-            <a:off x="648935" y="180644"/>
-            <a:ext cx="10900146" cy="935776"/>
-          </a:xfrm>
-        </p:spPr>
-        <p:txBody>
-          <a:bodyPr>
-            <a:noAutofit/>
-          </a:bodyPr>
+            <a:off x="5267338" y="666"/>
+            <a:ext cx="6487381" cy="1031927"/>
+          </a:xfrm>
+        </p:spPr>
+        <p:txBody>
+          <a:bodyPr/>
           <a:lstStyle/>
           <a:p>
+            <a:pPr algn="ctr"/>
             <a:r>
-              <a:rPr lang="en-US" dirty="0"/>
+              <a:rPr lang="en-US" dirty="0">
+                <a:solidFill>
+                  <a:srgbClr val="BD252F"/>
+                </a:solidFill>
+              </a:rPr>
               <a:t>Retrospective</a:t>
             </a:r>
           </a:p>
         </p:txBody>
       </p:sp>
-      <p:sp>
-        <p:nvSpPr>
-          <p:cNvPr id="10" name="Content Placeholder 9">
-            <a:extLst>
-              <a:ext uri="{FF2B5EF4-FFF2-40B4-BE49-F238E27FC236}">
-                <a16:creationId xmlns:a16="http://schemas.microsoft.com/office/drawing/2014/main" id="{734818E9-4459-4052-A157-BAEE61330BF3}"/>
+      <p:pic>
+        <p:nvPicPr>
+          <p:cNvPr id="11" name="Picture Placeholder 10" descr="A close - up of a person using a computer">
+            <a:extLst>
+              <a:ext uri="{FF2B5EF4-FFF2-40B4-BE49-F238E27FC236}">
+                <a16:creationId xmlns:a16="http://schemas.microsoft.com/office/drawing/2014/main" id="{2090A0CF-D5B6-46F6-9148-3018C1F68218}"/>
+              </a:ext>
+            </a:extLst>
+          </p:cNvPr>
+          <p:cNvPicPr>
+            <a:picLocks noGrp="1" noChangeAspect="1"/>
+          </p:cNvPicPr>
+          <p:nvPr>
+            <p:ph type="pic" sz="quarter" idx="13"/>
+          </p:nvPr>
+        </p:nvPicPr>
+        <p:blipFill rotWithShape="1">
+          <a:blip r:embed="rId3" cstate="screen">
+            <a:extLst>
+              <a:ext uri="{28A0092B-C50C-407E-A947-70E740481C1C}">
+                <a14:useLocalDpi xmlns:a14="http://schemas.microsoft.com/office/drawing/2010/main" val="0"/>
+              </a:ext>
+            </a:extLst>
+          </a:blip>
+          <a:srcRect/>
+          <a:stretch/>
+        </p:blipFill>
+        <p:spPr>
+          <a:xfrm>
+            <a:off x="-1" y="-3"/>
+            <a:ext cx="4613544" cy="2249321"/>
+          </a:xfrm>
+        </p:spPr>
+      </p:pic>
+      <p:pic>
+        <p:nvPicPr>
+          <p:cNvPr id="13" name="Picture Placeholder 12" descr="Digital Graph screen reflection">
+            <a:extLst>
+              <a:ext uri="{FF2B5EF4-FFF2-40B4-BE49-F238E27FC236}">
+                <a16:creationId xmlns:a16="http://schemas.microsoft.com/office/drawing/2014/main" id="{FD008D2D-DCC4-47D7-9308-F53E3DC8BA33}"/>
+              </a:ext>
+            </a:extLst>
+          </p:cNvPr>
+          <p:cNvPicPr>
+            <a:picLocks noGrp="1" noChangeAspect="1"/>
+          </p:cNvPicPr>
+          <p:nvPr>
+            <p:ph type="pic" sz="quarter" idx="14"/>
+          </p:nvPr>
+        </p:nvPicPr>
+        <p:blipFill rotWithShape="1">
+          <a:blip r:embed="rId4" cstate="screen">
+            <a:extLst>
+              <a:ext uri="{28A0092B-C50C-407E-A947-70E740481C1C}">
+                <a14:useLocalDpi xmlns:a14="http://schemas.microsoft.com/office/drawing/2010/main" val="0"/>
+              </a:ext>
+            </a:extLst>
+          </a:blip>
+          <a:srcRect/>
+          <a:stretch/>
+        </p:blipFill>
+        <p:spPr>
+          <a:xfrm>
+            <a:off x="-1" y="2311339"/>
+            <a:ext cx="4613544" cy="2241520"/>
+          </a:xfrm>
+        </p:spPr>
+      </p:pic>
+      <p:pic>
+        <p:nvPicPr>
+          <p:cNvPr id="8" name="Picture Placeholder 7" descr="Conference Room">
+            <a:extLst>
+              <a:ext uri="{FF2B5EF4-FFF2-40B4-BE49-F238E27FC236}">
+                <a16:creationId xmlns:a16="http://schemas.microsoft.com/office/drawing/2014/main" id="{13908DB8-E92A-433D-BC79-CFD872B072D7}"/>
+              </a:ext>
+            </a:extLst>
+          </p:cNvPr>
+          <p:cNvPicPr>
+            <a:picLocks noGrp="1" noChangeAspect="1"/>
+          </p:cNvPicPr>
+          <p:nvPr>
+            <p:ph type="pic" sz="quarter" idx="15"/>
+          </p:nvPr>
+        </p:nvPicPr>
+        <p:blipFill rotWithShape="1">
+          <a:blip r:embed="rId5" cstate="screen">
+            <a:extLst>
+              <a:ext uri="{28A0092B-C50C-407E-A947-70E740481C1C}">
+                <a14:useLocalDpi xmlns:a14="http://schemas.microsoft.com/office/drawing/2010/main" val="0"/>
+              </a:ext>
+            </a:extLst>
+          </a:blip>
+          <a:srcRect/>
+          <a:stretch/>
+        </p:blipFill>
+        <p:spPr>
+          <a:xfrm>
+            <a:off x="-1" y="4613572"/>
+            <a:ext cx="4613544" cy="2241520"/>
+          </a:xfrm>
+        </p:spPr>
+      </p:pic>
+      <p:sp>
+        <p:nvSpPr>
+          <p:cNvPr id="17" name="Footer Placeholder 16">
+            <a:extLst>
+              <a:ext uri="{FF2B5EF4-FFF2-40B4-BE49-F238E27FC236}">
+                <a16:creationId xmlns:a16="http://schemas.microsoft.com/office/drawing/2014/main" id="{A7A34B0D-1722-4024-BC6E-2A411B0AF724}"/>
               </a:ext>
             </a:extLst>
           </p:cNvPr>
@@ -13375,35 +13378,32 @@
             <a:spLocks noGrp="1"/>
           </p:cNvSpPr>
           <p:nvPr>
-            <p:ph idx="15"/>
+            <p:ph type="ftr" sz="quarter" idx="11"/>
           </p:nvPr>
         </p:nvSpPr>
         <p:spPr>
           <a:xfrm>
-            <a:off x="581323" y="1400371"/>
-            <a:ext cx="5706777" cy="465155"/>
-          </a:xfrm>
-        </p:spPr>
-        <p:txBody>
-          <a:bodyPr>
-            <a:noAutofit/>
-          </a:bodyPr>
+            <a:off x="642917" y="6309360"/>
+            <a:ext cx="3271516" cy="457200"/>
+          </a:xfrm>
+        </p:spPr>
+        <p:txBody>
+          <a:bodyPr/>
           <a:lstStyle/>
           <a:p>
-            <a:pPr algn="ctr"/>
             <a:r>
               <a:rPr lang="en-US" dirty="0"/>
-              <a:t>Challenges</a:t>
+              <a:t>Presentation Title</a:t>
             </a:r>
           </a:p>
         </p:txBody>
       </p:sp>
       <p:sp>
         <p:nvSpPr>
-          <p:cNvPr id="6" name="Content Placeholder 5">
-            <a:extLst>
-              <a:ext uri="{FF2B5EF4-FFF2-40B4-BE49-F238E27FC236}">
-                <a16:creationId xmlns:a16="http://schemas.microsoft.com/office/drawing/2014/main" id="{D87483D8-EA65-4964-99D7-AF7C1B80C93A}"/>
+          <p:cNvPr id="18" name="Slide Number Placeholder 17">
+            <a:extLst>
+              <a:ext uri="{FF2B5EF4-FFF2-40B4-BE49-F238E27FC236}">
+                <a16:creationId xmlns:a16="http://schemas.microsoft.com/office/drawing/2014/main" id="{75DB2E64-AD14-44FE-948F-FCBEC637E2C1}"/>
               </a:ext>
             </a:extLst>
           </p:cNvPr>
@@ -13411,20 +13411,521 @@
             <a:spLocks noGrp="1"/>
           </p:cNvSpPr>
           <p:nvPr>
-            <p:ph idx="13"/>
+            <p:ph type="sldNum" sz="quarter" idx="12"/>
           </p:nvPr>
         </p:nvSpPr>
         <p:spPr>
           <a:xfrm>
-            <a:off x="581323" y="1988746"/>
-            <a:ext cx="5514677" cy="3968993"/>
-          </a:xfrm>
-        </p:spPr>
-        <p:txBody>
-          <a:bodyPr>
+            <a:off x="10569202" y="6309360"/>
+            <a:ext cx="979879" cy="457200"/>
+          </a:xfrm>
+        </p:spPr>
+        <p:txBody>
+          <a:bodyPr/>
+          <a:lstStyle/>
+          <a:p>
+            <a:fld id="{FAEF9944-A4F6-4C59-AEBD-678D6480B8EA}" type="slidenum">
+              <a:rPr lang="en-US" smtClean="0"/>
+              <a:pPr/>
+              <a:t>15</a:t>
+            </a:fld>
+            <a:endParaRPr lang="en-US" dirty="0"/>
+          </a:p>
+        </p:txBody>
+      </p:sp>
+      <p:sp>
+        <p:nvSpPr>
+          <p:cNvPr id="4" name="Content Placeholder 9">
+            <a:extLst>
+              <a:ext uri="{FF2B5EF4-FFF2-40B4-BE49-F238E27FC236}">
+                <a16:creationId xmlns:a16="http://schemas.microsoft.com/office/drawing/2014/main" id="{5F8363CE-AE7E-AFE5-CB9B-DC185BBF102F}"/>
+              </a:ext>
+            </a:extLst>
+          </p:cNvPr>
+          <p:cNvSpPr txBox="1">
+            <a:spLocks/>
+          </p:cNvSpPr>
+          <p:nvPr/>
+        </p:nvSpPr>
+        <p:spPr>
+          <a:xfrm>
+            <a:off x="4957933" y="1400371"/>
+            <a:ext cx="6061183" cy="465155"/>
+          </a:xfrm>
+          <a:prstGeom prst="rect">
+            <a:avLst/>
+          </a:prstGeom>
+        </p:spPr>
+        <p:txBody>
+          <a:bodyPr vert="horz" lIns="109728" tIns="109728" rIns="109728" bIns="91440" rtlCol="0" anchor="t">
             <a:noAutofit/>
           </a:bodyPr>
-          <a:lstStyle/>
+          <a:lstStyle>
+            <a:lvl1pPr marL="0" indent="0" algn="ctr" defTabSz="914400" rtl="0" eaLnBrk="1" latinLnBrk="0" hangingPunct="1">
+              <a:lnSpc>
+                <a:spcPct val="140000"/>
+              </a:lnSpc>
+              <a:spcBef>
+                <a:spcPts val="930"/>
+              </a:spcBef>
+              <a:buFont typeface="Corbel" panose="020B0503020204020204" pitchFamily="34" charset="0"/>
+              <a:buNone/>
+              <a:defRPr sz="1800" b="1" kern="1200" spc="150" baseline="0">
+                <a:solidFill>
+                  <a:schemeClr val="tx1">
+                    <a:lumMod val="75000"/>
+                    <a:lumOff val="25000"/>
+                  </a:schemeClr>
+                </a:solidFill>
+                <a:latin typeface="+mn-lt"/>
+                <a:ea typeface="+mn-ea"/>
+                <a:cs typeface="+mn-cs"/>
+              </a:defRPr>
+            </a:lvl1pPr>
+            <a:lvl2pPr marL="0" indent="0" algn="l" defTabSz="914400" rtl="0" eaLnBrk="1" latinLnBrk="0" hangingPunct="1">
+              <a:lnSpc>
+                <a:spcPct val="140000"/>
+              </a:lnSpc>
+              <a:spcBef>
+                <a:spcPts val="930"/>
+              </a:spcBef>
+              <a:buFont typeface="Corbel" panose="020B0503020204020204" pitchFamily="34" charset="0"/>
+              <a:buNone/>
+              <a:defRPr sz="1600" kern="1200" spc="150" baseline="0">
+                <a:solidFill>
+                  <a:schemeClr val="tx1">
+                    <a:lumMod val="75000"/>
+                    <a:lumOff val="25000"/>
+                  </a:schemeClr>
+                </a:solidFill>
+                <a:latin typeface="+mn-lt"/>
+                <a:ea typeface="+mn-ea"/>
+                <a:cs typeface="+mn-cs"/>
+              </a:defRPr>
+            </a:lvl2pPr>
+            <a:lvl3pPr marL="0" indent="-320040" algn="l" defTabSz="914400" rtl="0" eaLnBrk="1" latinLnBrk="0" hangingPunct="1">
+              <a:lnSpc>
+                <a:spcPct val="140000"/>
+              </a:lnSpc>
+              <a:spcBef>
+                <a:spcPts val="930"/>
+              </a:spcBef>
+              <a:buFont typeface="Corbel" panose="020B0503020204020204" pitchFamily="34" charset="0"/>
+              <a:buChar char="–"/>
+              <a:defRPr sz="1400" i="1" kern="1200" spc="150" baseline="0">
+                <a:solidFill>
+                  <a:schemeClr val="tx1">
+                    <a:lumMod val="75000"/>
+                    <a:lumOff val="25000"/>
+                  </a:schemeClr>
+                </a:solidFill>
+                <a:latin typeface="+mn-lt"/>
+                <a:ea typeface="+mn-ea"/>
+                <a:cs typeface="+mn-cs"/>
+              </a:defRPr>
+            </a:lvl3pPr>
+            <a:lvl4pPr marL="0" indent="-320040" algn="l" defTabSz="914400" rtl="0" eaLnBrk="1" latinLnBrk="0" hangingPunct="1">
+              <a:lnSpc>
+                <a:spcPct val="140000"/>
+              </a:lnSpc>
+              <a:spcBef>
+                <a:spcPts val="930"/>
+              </a:spcBef>
+              <a:buFont typeface="Corbel" panose="020B0503020204020204" pitchFamily="34" charset="0"/>
+              <a:buChar char="–"/>
+              <a:defRPr sz="1400" kern="1200" spc="150" baseline="0">
+                <a:solidFill>
+                  <a:schemeClr val="tx1">
+                    <a:lumMod val="75000"/>
+                    <a:lumOff val="25000"/>
+                  </a:schemeClr>
+                </a:solidFill>
+                <a:latin typeface="+mn-lt"/>
+                <a:ea typeface="+mn-ea"/>
+                <a:cs typeface="+mn-cs"/>
+              </a:defRPr>
+            </a:lvl4pPr>
+            <a:lvl5pPr marL="0" indent="-320040" algn="l" defTabSz="914400" rtl="0" eaLnBrk="1" latinLnBrk="0" hangingPunct="1">
+              <a:lnSpc>
+                <a:spcPct val="140000"/>
+              </a:lnSpc>
+              <a:spcBef>
+                <a:spcPts val="930"/>
+              </a:spcBef>
+              <a:buFont typeface="Corbel" panose="020B0503020204020204" pitchFamily="34" charset="0"/>
+              <a:buChar char="–"/>
+              <a:defRPr sz="1400" i="1" kern="1200" spc="150" baseline="0">
+                <a:solidFill>
+                  <a:schemeClr val="tx1">
+                    <a:lumMod val="75000"/>
+                    <a:lumOff val="25000"/>
+                  </a:schemeClr>
+                </a:solidFill>
+                <a:latin typeface="+mn-lt"/>
+                <a:ea typeface="+mn-ea"/>
+                <a:cs typeface="+mn-cs"/>
+              </a:defRPr>
+            </a:lvl5pPr>
+            <a:lvl6pPr marL="1920240" indent="-320040" algn="l" defTabSz="914400" rtl="0" eaLnBrk="1" latinLnBrk="0" hangingPunct="1">
+              <a:lnSpc>
+                <a:spcPct val="111000"/>
+              </a:lnSpc>
+              <a:spcBef>
+                <a:spcPts val="930"/>
+              </a:spcBef>
+              <a:buFont typeface="Corbel" panose="020B0503020204020204" pitchFamily="34" charset="0"/>
+              <a:buChar char="–"/>
+              <a:defRPr sz="1400" kern="1200">
+                <a:solidFill>
+                  <a:schemeClr val="accent1">
+                    <a:lumMod val="75000"/>
+                  </a:schemeClr>
+                </a:solidFill>
+                <a:latin typeface="+mn-lt"/>
+                <a:ea typeface="+mn-ea"/>
+                <a:cs typeface="+mn-cs"/>
+              </a:defRPr>
+            </a:lvl6pPr>
+            <a:lvl7pPr marL="2240280" indent="-320040" algn="l" defTabSz="914400" rtl="0" eaLnBrk="1" latinLnBrk="0" hangingPunct="1">
+              <a:lnSpc>
+                <a:spcPct val="111000"/>
+              </a:lnSpc>
+              <a:spcBef>
+                <a:spcPts val="930"/>
+              </a:spcBef>
+              <a:buFont typeface="Corbel" panose="020B0503020204020204" pitchFamily="34" charset="0"/>
+              <a:buChar char="–"/>
+              <a:defRPr sz="1400" i="1" kern="1200">
+                <a:solidFill>
+                  <a:schemeClr val="accent1">
+                    <a:lumMod val="75000"/>
+                  </a:schemeClr>
+                </a:solidFill>
+                <a:latin typeface="+mn-lt"/>
+                <a:ea typeface="+mn-ea"/>
+                <a:cs typeface="+mn-cs"/>
+              </a:defRPr>
+            </a:lvl7pPr>
+            <a:lvl8pPr marL="2560320" indent="-320040" algn="l" defTabSz="914400" rtl="0" eaLnBrk="1" latinLnBrk="0" hangingPunct="1">
+              <a:lnSpc>
+                <a:spcPct val="111000"/>
+              </a:lnSpc>
+              <a:spcBef>
+                <a:spcPts val="930"/>
+              </a:spcBef>
+              <a:buFont typeface="Corbel" panose="020B0503020204020204" pitchFamily="34" charset="0"/>
+              <a:buChar char="–"/>
+              <a:defRPr sz="1400" kern="1200">
+                <a:solidFill>
+                  <a:schemeClr val="accent1">
+                    <a:lumMod val="75000"/>
+                  </a:schemeClr>
+                </a:solidFill>
+                <a:latin typeface="+mn-lt"/>
+                <a:ea typeface="+mn-ea"/>
+                <a:cs typeface="+mn-cs"/>
+              </a:defRPr>
+            </a:lvl8pPr>
+            <a:lvl9pPr marL="2880360" indent="-320040" algn="l" defTabSz="914400" rtl="0" eaLnBrk="1" latinLnBrk="0" hangingPunct="1">
+              <a:lnSpc>
+                <a:spcPct val="111000"/>
+              </a:lnSpc>
+              <a:spcBef>
+                <a:spcPts val="930"/>
+              </a:spcBef>
+              <a:buFont typeface="Corbel" panose="020B0503020204020204" pitchFamily="34" charset="0"/>
+              <a:buChar char="–"/>
+              <a:defRPr sz="1400" i="1" kern="1200">
+                <a:solidFill>
+                  <a:schemeClr val="accent1">
+                    <a:lumMod val="75000"/>
+                  </a:schemeClr>
+                </a:solidFill>
+                <a:latin typeface="+mn-lt"/>
+                <a:ea typeface="+mn-ea"/>
+                <a:cs typeface="+mn-cs"/>
+              </a:defRPr>
+            </a:lvl9pPr>
+          </a:lstStyle>
+          <a:p>
+            <a:pPr algn="l"/>
+            <a:r>
+              <a:rPr lang="en-US" sz="2400" dirty="0">
+                <a:solidFill>
+                  <a:srgbClr val="BD252F"/>
+                </a:solidFill>
+              </a:rPr>
+              <a:t>Challenges</a:t>
+            </a:r>
+          </a:p>
+        </p:txBody>
+      </p:sp>
+      <p:sp>
+        <p:nvSpPr>
+          <p:cNvPr id="5" name="Content Placeholder 5">
+            <a:extLst>
+              <a:ext uri="{FF2B5EF4-FFF2-40B4-BE49-F238E27FC236}">
+                <a16:creationId xmlns:a16="http://schemas.microsoft.com/office/drawing/2014/main" id="{51A7F3C5-5757-B49D-6B0E-7F82BC901E65}"/>
+              </a:ext>
+            </a:extLst>
+          </p:cNvPr>
+          <p:cNvSpPr txBox="1">
+            <a:spLocks/>
+          </p:cNvSpPr>
+          <p:nvPr/>
+        </p:nvSpPr>
+        <p:spPr>
+          <a:xfrm>
+            <a:off x="4820479" y="1988746"/>
+            <a:ext cx="7071694" cy="3968993"/>
+          </a:xfrm>
+          <a:prstGeom prst="rect">
+            <a:avLst/>
+          </a:prstGeom>
+        </p:spPr>
+        <p:txBody>
+          <a:bodyPr vert="horz" lIns="109728" tIns="109728" rIns="109728" bIns="91440" rtlCol="0" anchor="t">
+            <a:noAutofit/>
+          </a:bodyPr>
+          <a:lstStyle>
+            <a:lvl1pPr marL="0" indent="0" algn="ctr" defTabSz="914400" rtl="0" eaLnBrk="1" latinLnBrk="0" hangingPunct="1">
+              <a:lnSpc>
+                <a:spcPct val="140000"/>
+              </a:lnSpc>
+              <a:spcBef>
+                <a:spcPts val="930"/>
+              </a:spcBef>
+              <a:buFont typeface="Corbel" panose="020B0503020204020204" pitchFamily="34" charset="0"/>
+              <a:buNone/>
+              <a:defRPr sz="1800" b="1" kern="1200" spc="150" baseline="0">
+                <a:solidFill>
+                  <a:schemeClr val="tx1">
+                    <a:lumMod val="75000"/>
+                    <a:lumOff val="25000"/>
+                  </a:schemeClr>
+                </a:solidFill>
+                <a:latin typeface="+mn-lt"/>
+                <a:ea typeface="+mn-ea"/>
+                <a:cs typeface="+mn-cs"/>
+              </a:defRPr>
+            </a:lvl1pPr>
+            <a:lvl2pPr marL="0" indent="0" algn="l" defTabSz="914400" rtl="0" eaLnBrk="1" latinLnBrk="0" hangingPunct="1">
+              <a:lnSpc>
+                <a:spcPct val="140000"/>
+              </a:lnSpc>
+              <a:spcBef>
+                <a:spcPts val="930"/>
+              </a:spcBef>
+              <a:buFont typeface="Corbel" panose="020B0503020204020204" pitchFamily="34" charset="0"/>
+              <a:buNone/>
+              <a:defRPr sz="1600" kern="1200" spc="150" baseline="0">
+                <a:solidFill>
+                  <a:schemeClr val="tx1">
+                    <a:lumMod val="75000"/>
+                    <a:lumOff val="25000"/>
+                  </a:schemeClr>
+                </a:solidFill>
+                <a:latin typeface="+mn-lt"/>
+                <a:ea typeface="+mn-ea"/>
+                <a:cs typeface="+mn-cs"/>
+              </a:defRPr>
+            </a:lvl2pPr>
+            <a:lvl3pPr marL="0" indent="-320040" algn="l" defTabSz="914400" rtl="0" eaLnBrk="1" latinLnBrk="0" hangingPunct="1">
+              <a:lnSpc>
+                <a:spcPct val="140000"/>
+              </a:lnSpc>
+              <a:spcBef>
+                <a:spcPts val="930"/>
+              </a:spcBef>
+              <a:buFont typeface="Corbel" panose="020B0503020204020204" pitchFamily="34" charset="0"/>
+              <a:buChar char="–"/>
+              <a:defRPr sz="1400" i="1" kern="1200" spc="150" baseline="0">
+                <a:solidFill>
+                  <a:schemeClr val="tx1">
+                    <a:lumMod val="75000"/>
+                    <a:lumOff val="25000"/>
+                  </a:schemeClr>
+                </a:solidFill>
+                <a:latin typeface="+mn-lt"/>
+                <a:ea typeface="+mn-ea"/>
+                <a:cs typeface="+mn-cs"/>
+              </a:defRPr>
+            </a:lvl3pPr>
+            <a:lvl4pPr marL="0" indent="-320040" algn="l" defTabSz="914400" rtl="0" eaLnBrk="1" latinLnBrk="0" hangingPunct="1">
+              <a:lnSpc>
+                <a:spcPct val="140000"/>
+              </a:lnSpc>
+              <a:spcBef>
+                <a:spcPts val="930"/>
+              </a:spcBef>
+              <a:buFont typeface="Corbel" panose="020B0503020204020204" pitchFamily="34" charset="0"/>
+              <a:buChar char="–"/>
+              <a:defRPr sz="1400" kern="1200" spc="150" baseline="0">
+                <a:solidFill>
+                  <a:schemeClr val="tx1">
+                    <a:lumMod val="75000"/>
+                    <a:lumOff val="25000"/>
+                  </a:schemeClr>
+                </a:solidFill>
+                <a:latin typeface="+mn-lt"/>
+                <a:ea typeface="+mn-ea"/>
+                <a:cs typeface="+mn-cs"/>
+              </a:defRPr>
+            </a:lvl4pPr>
+            <a:lvl5pPr marL="0" indent="-320040" algn="l" defTabSz="914400" rtl="0" eaLnBrk="1" latinLnBrk="0" hangingPunct="1">
+              <a:lnSpc>
+                <a:spcPct val="140000"/>
+              </a:lnSpc>
+              <a:spcBef>
+                <a:spcPts val="930"/>
+              </a:spcBef>
+              <a:buFont typeface="Corbel" panose="020B0503020204020204" pitchFamily="34" charset="0"/>
+              <a:buChar char="–"/>
+              <a:defRPr sz="1400" i="1" kern="1200" spc="150" baseline="0">
+                <a:solidFill>
+                  <a:schemeClr val="tx1">
+                    <a:lumMod val="75000"/>
+                    <a:lumOff val="25000"/>
+                  </a:schemeClr>
+                </a:solidFill>
+                <a:latin typeface="+mn-lt"/>
+                <a:ea typeface="+mn-ea"/>
+                <a:cs typeface="+mn-cs"/>
+              </a:defRPr>
+            </a:lvl5pPr>
+            <a:lvl6pPr marL="1920240" indent="-320040" algn="l" defTabSz="914400" rtl="0" eaLnBrk="1" latinLnBrk="0" hangingPunct="1">
+              <a:lnSpc>
+                <a:spcPct val="111000"/>
+              </a:lnSpc>
+              <a:spcBef>
+                <a:spcPts val="930"/>
+              </a:spcBef>
+              <a:buFont typeface="Corbel" panose="020B0503020204020204" pitchFamily="34" charset="0"/>
+              <a:buChar char="–"/>
+              <a:defRPr sz="1400" kern="1200">
+                <a:solidFill>
+                  <a:schemeClr val="accent1">
+                    <a:lumMod val="75000"/>
+                  </a:schemeClr>
+                </a:solidFill>
+                <a:latin typeface="+mn-lt"/>
+                <a:ea typeface="+mn-ea"/>
+                <a:cs typeface="+mn-cs"/>
+              </a:defRPr>
+            </a:lvl6pPr>
+            <a:lvl7pPr marL="2240280" indent="-320040" algn="l" defTabSz="914400" rtl="0" eaLnBrk="1" latinLnBrk="0" hangingPunct="1">
+              <a:lnSpc>
+                <a:spcPct val="111000"/>
+              </a:lnSpc>
+              <a:spcBef>
+                <a:spcPts val="930"/>
+              </a:spcBef>
+              <a:buFont typeface="Corbel" panose="020B0503020204020204" pitchFamily="34" charset="0"/>
+              <a:buChar char="–"/>
+              <a:defRPr sz="1400" i="1" kern="1200">
+                <a:solidFill>
+                  <a:schemeClr val="accent1">
+                    <a:lumMod val="75000"/>
+                  </a:schemeClr>
+                </a:solidFill>
+                <a:latin typeface="+mn-lt"/>
+                <a:ea typeface="+mn-ea"/>
+                <a:cs typeface="+mn-cs"/>
+              </a:defRPr>
+            </a:lvl7pPr>
+            <a:lvl8pPr marL="2560320" indent="-320040" algn="l" defTabSz="914400" rtl="0" eaLnBrk="1" latinLnBrk="0" hangingPunct="1">
+              <a:lnSpc>
+                <a:spcPct val="111000"/>
+              </a:lnSpc>
+              <a:spcBef>
+                <a:spcPts val="930"/>
+              </a:spcBef>
+              <a:buFont typeface="Corbel" panose="020B0503020204020204" pitchFamily="34" charset="0"/>
+              <a:buChar char="–"/>
+              <a:defRPr sz="1400" kern="1200">
+                <a:solidFill>
+                  <a:schemeClr val="accent1">
+                    <a:lumMod val="75000"/>
+                  </a:schemeClr>
+                </a:solidFill>
+                <a:latin typeface="+mn-lt"/>
+                <a:ea typeface="+mn-ea"/>
+                <a:cs typeface="+mn-cs"/>
+              </a:defRPr>
+            </a:lvl8pPr>
+            <a:lvl9pPr marL="2880360" indent="-320040" algn="l" defTabSz="914400" rtl="0" eaLnBrk="1" latinLnBrk="0" hangingPunct="1">
+              <a:lnSpc>
+                <a:spcPct val="111000"/>
+              </a:lnSpc>
+              <a:spcBef>
+                <a:spcPts val="930"/>
+              </a:spcBef>
+              <a:buFont typeface="Corbel" panose="020B0503020204020204" pitchFamily="34" charset="0"/>
+              <a:buChar char="–"/>
+              <a:defRPr sz="1400" i="1" kern="1200">
+                <a:solidFill>
+                  <a:schemeClr val="accent1">
+                    <a:lumMod val="75000"/>
+                  </a:schemeClr>
+                </a:solidFill>
+                <a:latin typeface="+mn-lt"/>
+                <a:ea typeface="+mn-ea"/>
+                <a:cs typeface="+mn-cs"/>
+              </a:defRPr>
+            </a:lvl9pPr>
+          </a:lstStyle>
+          <a:p>
+            <a:pPr algn="l">
+              <a:buClr>
+                <a:srgbClr val="BD252F"/>
+              </a:buClr>
+              <a:buFont typeface="Wingdings" pitchFamily="2" charset="2"/>
+              <a:buChar char="v"/>
+            </a:pPr>
+            <a:r>
+              <a:rPr lang="en-US" sz="1400" dirty="0"/>
+              <a:t>Changing NA to 0 created outliers that negatively impacted the modeling</a:t>
+            </a:r>
+          </a:p>
+          <a:p>
+            <a:pPr algn="l">
+              <a:buClr>
+                <a:srgbClr val="BD252F"/>
+              </a:buClr>
+              <a:buFont typeface="Wingdings" pitchFamily="2" charset="2"/>
+              <a:buChar char="v"/>
+            </a:pPr>
+            <a:r>
+              <a:rPr lang="en-US" sz="1400" dirty="0"/>
+              <a:t>Highest classification accuracy of 49% was obtained using </a:t>
+            </a:r>
+            <a:r>
+              <a:rPr lang="en-US" sz="1400" dirty="0" err="1"/>
+              <a:t>Tensorflow</a:t>
+            </a:r>
+            <a:endParaRPr lang="en-US" sz="1400" dirty="0"/>
+          </a:p>
+          <a:p>
+            <a:pPr algn="l">
+              <a:buClr>
+                <a:srgbClr val="BD252F"/>
+              </a:buClr>
+              <a:buFont typeface="Wingdings" pitchFamily="2" charset="2"/>
+              <a:buChar char="v"/>
+            </a:pPr>
+            <a:r>
+              <a:rPr lang="en-US" sz="1400" dirty="0"/>
+              <a:t>Google </a:t>
+            </a:r>
+            <a:r>
+              <a:rPr lang="en-US" sz="1400" dirty="0" err="1"/>
+              <a:t>Colab</a:t>
+            </a:r>
+            <a:r>
+              <a:rPr lang="en-US" sz="1400" dirty="0"/>
+              <a:t> issues with modeling and plotting due to versioning</a:t>
+            </a:r>
+          </a:p>
           <a:p>
             <a:pPr>
               <a:buClr>
@@ -13433,190 +13934,16 @@
               <a:buFont typeface="Wingdings" pitchFamily="2" charset="2"/>
               <a:buChar char="v"/>
             </a:pPr>
-            <a:r>
-              <a:rPr lang="en-US" dirty="0"/>
-              <a:t>Changing NA to 0 created outliers that negatively impacted the modeling</a:t>
-            </a:r>
-          </a:p>
-          <a:p>
-            <a:pPr>
-              <a:buClr>
-                <a:srgbClr val="BD252F"/>
-              </a:buClr>
-              <a:buFont typeface="Wingdings" pitchFamily="2" charset="2"/>
-              <a:buChar char="v"/>
-            </a:pPr>
-            <a:r>
-              <a:rPr lang="en-US" dirty="0"/>
-              <a:t>Highest classification accuracy of 49% was obtained using </a:t>
-            </a:r>
-            <a:r>
-              <a:rPr lang="en-US" dirty="0" err="1"/>
-              <a:t>Tensorflow</a:t>
-            </a:r>
-            <a:endParaRPr lang="en-US" dirty="0"/>
-          </a:p>
-          <a:p>
-            <a:pPr>
-              <a:buClr>
-                <a:srgbClr val="BD252F"/>
-              </a:buClr>
-              <a:buFont typeface="Wingdings" pitchFamily="2" charset="2"/>
-              <a:buChar char="v"/>
-            </a:pPr>
-            <a:r>
-              <a:rPr lang="en-US" dirty="0"/>
-              <a:t>Google </a:t>
-            </a:r>
-            <a:r>
-              <a:rPr lang="en-US" dirty="0" err="1"/>
-              <a:t>Colab</a:t>
-            </a:r>
-            <a:r>
-              <a:rPr lang="en-US" dirty="0"/>
-              <a:t> issues with modeling and plotting due to versioning</a:t>
-            </a:r>
-          </a:p>
-          <a:p>
-            <a:pPr>
-              <a:buClr>
-                <a:srgbClr val="BD252F"/>
-              </a:buClr>
-              <a:buFont typeface="Wingdings" pitchFamily="2" charset="2"/>
-              <a:buChar char="v"/>
-            </a:pPr>
-            <a:endParaRPr lang="en-US" dirty="0"/>
-          </a:p>
-        </p:txBody>
-      </p:sp>
-      <p:sp>
-        <p:nvSpPr>
-          <p:cNvPr id="16" name="Slide Number Placeholder 15">
-            <a:extLst>
-              <a:ext uri="{FF2B5EF4-FFF2-40B4-BE49-F238E27FC236}">
-                <a16:creationId xmlns:a16="http://schemas.microsoft.com/office/drawing/2014/main" id="{533E7CD9-5271-46B0-BE9D-C03F6CFC6818}"/>
-              </a:ext>
-            </a:extLst>
-          </p:cNvPr>
-          <p:cNvSpPr>
-            <a:spLocks noGrp="1"/>
-          </p:cNvSpPr>
-          <p:nvPr>
-            <p:ph type="sldNum" sz="quarter" idx="12"/>
-          </p:nvPr>
-        </p:nvSpPr>
-        <p:spPr>
-          <a:xfrm>
-            <a:off x="10569202" y="6309360"/>
-            <a:ext cx="979879" cy="457200"/>
-          </a:xfrm>
-        </p:spPr>
-        <p:txBody>
-          <a:bodyPr/>
-          <a:lstStyle/>
-          <a:p>
-            <a:fld id="{FAEF9944-A4F6-4C59-AEBD-678D6480B8EA}" type="slidenum">
-              <a:rPr lang="en-US" smtClean="0"/>
-              <a:pPr/>
-              <a:t>15</a:t>
-            </a:fld>
-            <a:endParaRPr lang="en-US" dirty="0"/>
-          </a:p>
-        </p:txBody>
-      </p:sp>
-      <p:sp>
-        <p:nvSpPr>
-          <p:cNvPr id="2" name="Rectangle 1">
-            <a:extLst>
-              <a:ext uri="{FF2B5EF4-FFF2-40B4-BE49-F238E27FC236}">
-                <a16:creationId xmlns:a16="http://schemas.microsoft.com/office/drawing/2014/main" id="{AEF7AB3E-8C43-9DAC-9D41-861C0C26031D}"/>
-              </a:ext>
-              <a:ext uri="{C183D7F6-B498-43B3-948B-1728B52AA6E4}">
-                <adec:decorative xmlns:adec="http://schemas.microsoft.com/office/drawing/2017/decorative" val="1"/>
-              </a:ext>
-            </a:extLst>
-          </p:cNvPr>
-          <p:cNvSpPr/>
-          <p:nvPr/>
-        </p:nvSpPr>
-        <p:spPr>
-          <a:xfrm>
-            <a:off x="0" y="1309225"/>
-            <a:ext cx="12188952" cy="64008"/>
-          </a:xfrm>
-          <a:prstGeom prst="rect">
-            <a:avLst/>
-          </a:prstGeom>
-          <a:solidFill>
-            <a:schemeClr val="tx2"/>
-          </a:solidFill>
-          <a:ln>
-            <a:noFill/>
-          </a:ln>
-        </p:spPr>
-        <p:style>
-          <a:lnRef idx="2">
-            <a:schemeClr val="accent1">
-              <a:shade val="50000"/>
-            </a:schemeClr>
-          </a:lnRef>
-          <a:fillRef idx="1">
-            <a:schemeClr val="accent1"/>
-          </a:fillRef>
-          <a:effectRef idx="0">
-            <a:schemeClr val="accent1"/>
-          </a:effectRef>
-          <a:fontRef idx="minor">
-            <a:schemeClr val="lt1"/>
-          </a:fontRef>
-        </p:style>
-        <p:txBody>
-          <a:bodyPr rtlCol="0" anchor="ctr"/>
-          <a:lstStyle/>
-          <a:p>
-            <a:pPr algn="ctr"/>
-            <a:endParaRPr lang="en-US" dirty="0"/>
-          </a:p>
-        </p:txBody>
-      </p:sp>
-      <p:sp>
-        <p:nvSpPr>
-          <p:cNvPr id="3" name="TextBox 2">
-            <a:extLst>
-              <a:ext uri="{FF2B5EF4-FFF2-40B4-BE49-F238E27FC236}">
-                <a16:creationId xmlns:a16="http://schemas.microsoft.com/office/drawing/2014/main" id="{EDDF9B9E-0961-F8FE-255F-321329432406}"/>
-              </a:ext>
-            </a:extLst>
-          </p:cNvPr>
-          <p:cNvSpPr txBox="1"/>
-          <p:nvPr/>
-        </p:nvSpPr>
-        <p:spPr>
-          <a:xfrm>
-            <a:off x="2846895" y="791852"/>
-            <a:ext cx="184731" cy="369332"/>
-          </a:xfrm>
-          <a:prstGeom prst="rect">
-            <a:avLst/>
-          </a:prstGeom>
-          <a:noFill/>
-        </p:spPr>
-        <p:txBody>
-          <a:bodyPr wrap="none" rtlCol="0">
-            <a:spAutoFit/>
-          </a:bodyPr>
-          <a:lstStyle/>
-          <a:p>
-            <a:endParaRPr lang="en-US" dirty="0"/>
-          </a:p>
-        </p:txBody>
-      </p:sp>
-      <p:sp>
-        <p:nvSpPr>
-          <p:cNvPr id="7" name="Content Placeholder 9">
-            <a:extLst>
-              <a:ext uri="{FF2B5EF4-FFF2-40B4-BE49-F238E27FC236}">
-                <a16:creationId xmlns:a16="http://schemas.microsoft.com/office/drawing/2014/main" id="{34E567AC-EDC3-2671-642F-0097D96E201E}"/>
+            <a:endParaRPr lang="en-US" sz="1400" dirty="0"/>
+          </a:p>
+        </p:txBody>
+      </p:sp>
+      <p:sp>
+        <p:nvSpPr>
+          <p:cNvPr id="6" name="Content Placeholder 9">
+            <a:extLst>
+              <a:ext uri="{FF2B5EF4-FFF2-40B4-BE49-F238E27FC236}">
+                <a16:creationId xmlns:a16="http://schemas.microsoft.com/office/drawing/2014/main" id="{378FBF5B-D50D-1287-CE4D-0B2A17394A75}"/>
               </a:ext>
             </a:extLst>
           </p:cNvPr>
@@ -13627,8 +13954,8 @@
         </p:nvSpPr>
         <p:spPr>
           <a:xfrm>
-            <a:off x="6026986" y="1392516"/>
-            <a:ext cx="6133541" cy="465155"/>
+            <a:off x="4957933" y="4632667"/>
+            <a:ext cx="6934240" cy="465155"/>
           </a:xfrm>
           <a:prstGeom prst="rect">
             <a:avLst/>
@@ -13826,9 +14153,12 @@
             </a:lvl9pPr>
           </a:lstStyle>
           <a:p>
-            <a:pPr algn="ctr"/>
             <a:r>
-              <a:rPr lang="en-US" dirty="0"/>
+              <a:rPr lang="en-US" sz="2400" dirty="0">
+                <a:solidFill>
+                  <a:srgbClr val="BD252F"/>
+                </a:solidFill>
+              </a:rPr>
               <a:t>Lessons Learned</a:t>
             </a:r>
           </a:p>
@@ -13836,10 +14166,10 @@
       </p:sp>
       <p:sp>
         <p:nvSpPr>
-          <p:cNvPr id="9" name="Content Placeholder 5">
-            <a:extLst>
-              <a:ext uri="{FF2B5EF4-FFF2-40B4-BE49-F238E27FC236}">
-                <a16:creationId xmlns:a16="http://schemas.microsoft.com/office/drawing/2014/main" id="{B9483C82-B0AE-A726-849E-799039C833AD}"/>
+          <p:cNvPr id="10" name="Content Placeholder 5">
+            <a:extLst>
+              <a:ext uri="{FF2B5EF4-FFF2-40B4-BE49-F238E27FC236}">
+                <a16:creationId xmlns:a16="http://schemas.microsoft.com/office/drawing/2014/main" id="{44F218AA-3F55-FE81-78A0-7A8158686251}"/>
               </a:ext>
             </a:extLst>
           </p:cNvPr>
@@ -13850,8 +14180,8 @@
         </p:nvSpPr>
         <p:spPr>
           <a:xfrm>
-            <a:off x="6096000" y="1980892"/>
-            <a:ext cx="5927075" cy="3968992"/>
+            <a:off x="4820479" y="5221043"/>
+            <a:ext cx="6934241" cy="3968992"/>
           </a:xfrm>
           <a:prstGeom prst="rect">
             <a:avLst/>
@@ -14076,7 +14406,7 @@
     </p:spTree>
     <p:extLst>
       <p:ext uri="{BB962C8B-B14F-4D97-AF65-F5344CB8AC3E}">
-        <p14:creationId xmlns:p14="http://schemas.microsoft.com/office/powerpoint/2010/main" val="1760788199"/>
+        <p14:creationId xmlns:p14="http://schemas.microsoft.com/office/powerpoint/2010/main" val="1109332271"/>
       </p:ext>
     </p:extLst>
   </p:cSld>
@@ -14087,1205 +14417,6 @@
 </file>
 
 <file path=ppt/slides/slide16.xml><?xml version="1.0" encoding="utf-8"?>
-<p:sld xmlns:a="http://schemas.openxmlformats.org/drawingml/2006/main" xmlns:r="http://schemas.openxmlformats.org/officeDocument/2006/relationships" xmlns:p="http://schemas.openxmlformats.org/presentationml/2006/main">
-  <p:cSld>
-    <p:spTree>
-      <p:nvGrpSpPr>
-        <p:cNvPr id="1" name=""/>
-        <p:cNvGrpSpPr/>
-        <p:nvPr/>
-      </p:nvGrpSpPr>
-      <p:grpSpPr>
-        <a:xfrm>
-          <a:off x="0" y="0"/>
-          <a:ext cx="0" cy="0"/>
-          <a:chOff x="0" y="0"/>
-          <a:chExt cx="0" cy="0"/>
-        </a:xfrm>
-      </p:grpSpPr>
-      <p:sp>
-        <p:nvSpPr>
-          <p:cNvPr id="7" name="Title 6">
-            <a:extLst>
-              <a:ext uri="{FF2B5EF4-FFF2-40B4-BE49-F238E27FC236}">
-                <a16:creationId xmlns:a16="http://schemas.microsoft.com/office/drawing/2014/main" id="{5794278F-BBE1-4D62-8038-1FE9C98B6D37}"/>
-              </a:ext>
-            </a:extLst>
-          </p:cNvPr>
-          <p:cNvSpPr>
-            <a:spLocks noGrp="1"/>
-          </p:cNvSpPr>
-          <p:nvPr>
-            <p:ph type="title"/>
-          </p:nvPr>
-        </p:nvSpPr>
-        <p:spPr>
-          <a:xfrm>
-            <a:off x="5267339" y="666"/>
-            <a:ext cx="6172412" cy="1031927"/>
-          </a:xfrm>
-        </p:spPr>
-        <p:txBody>
-          <a:bodyPr/>
-          <a:lstStyle/>
-          <a:p>
-            <a:r>
-              <a:rPr lang="en-US" dirty="0">
-                <a:solidFill>
-                  <a:srgbClr val="BD252F"/>
-                </a:solidFill>
-              </a:rPr>
-              <a:t>Retrospective</a:t>
-            </a:r>
-          </a:p>
-        </p:txBody>
-      </p:sp>
-      <p:pic>
-        <p:nvPicPr>
-          <p:cNvPr id="11" name="Picture Placeholder 10" descr="A close - up of a person using a computer">
-            <a:extLst>
-              <a:ext uri="{FF2B5EF4-FFF2-40B4-BE49-F238E27FC236}">
-                <a16:creationId xmlns:a16="http://schemas.microsoft.com/office/drawing/2014/main" id="{2090A0CF-D5B6-46F6-9148-3018C1F68218}"/>
-              </a:ext>
-            </a:extLst>
-          </p:cNvPr>
-          <p:cNvPicPr>
-            <a:picLocks noGrp="1" noChangeAspect="1"/>
-          </p:cNvPicPr>
-          <p:nvPr>
-            <p:ph type="pic" sz="quarter" idx="13"/>
-          </p:nvPr>
-        </p:nvPicPr>
-        <p:blipFill rotWithShape="1">
-          <a:blip r:embed="rId3" cstate="screen">
-            <a:extLst>
-              <a:ext uri="{28A0092B-C50C-407E-A947-70E740481C1C}">
-                <a14:useLocalDpi xmlns:a14="http://schemas.microsoft.com/office/drawing/2010/main" val="0"/>
-              </a:ext>
-            </a:extLst>
-          </a:blip>
-          <a:srcRect/>
-          <a:stretch/>
-        </p:blipFill>
-        <p:spPr>
-          <a:xfrm>
-            <a:off x="-1" y="-3"/>
-            <a:ext cx="4613544" cy="2249321"/>
-          </a:xfrm>
-        </p:spPr>
-      </p:pic>
-      <p:pic>
-        <p:nvPicPr>
-          <p:cNvPr id="13" name="Picture Placeholder 12" descr="Digital Graph screen reflection">
-            <a:extLst>
-              <a:ext uri="{FF2B5EF4-FFF2-40B4-BE49-F238E27FC236}">
-                <a16:creationId xmlns:a16="http://schemas.microsoft.com/office/drawing/2014/main" id="{FD008D2D-DCC4-47D7-9308-F53E3DC8BA33}"/>
-              </a:ext>
-            </a:extLst>
-          </p:cNvPr>
-          <p:cNvPicPr>
-            <a:picLocks noGrp="1" noChangeAspect="1"/>
-          </p:cNvPicPr>
-          <p:nvPr>
-            <p:ph type="pic" sz="quarter" idx="14"/>
-          </p:nvPr>
-        </p:nvPicPr>
-        <p:blipFill rotWithShape="1">
-          <a:blip r:embed="rId4" cstate="screen">
-            <a:extLst>
-              <a:ext uri="{28A0092B-C50C-407E-A947-70E740481C1C}">
-                <a14:useLocalDpi xmlns:a14="http://schemas.microsoft.com/office/drawing/2010/main" val="0"/>
-              </a:ext>
-            </a:extLst>
-          </a:blip>
-          <a:srcRect/>
-          <a:stretch/>
-        </p:blipFill>
-        <p:spPr>
-          <a:xfrm>
-            <a:off x="-1" y="2311339"/>
-            <a:ext cx="4613544" cy="2241520"/>
-          </a:xfrm>
-        </p:spPr>
-      </p:pic>
-      <p:pic>
-        <p:nvPicPr>
-          <p:cNvPr id="8" name="Picture Placeholder 7" descr="Conference Room">
-            <a:extLst>
-              <a:ext uri="{FF2B5EF4-FFF2-40B4-BE49-F238E27FC236}">
-                <a16:creationId xmlns:a16="http://schemas.microsoft.com/office/drawing/2014/main" id="{13908DB8-E92A-433D-BC79-CFD872B072D7}"/>
-              </a:ext>
-            </a:extLst>
-          </p:cNvPr>
-          <p:cNvPicPr>
-            <a:picLocks noGrp="1" noChangeAspect="1"/>
-          </p:cNvPicPr>
-          <p:nvPr>
-            <p:ph type="pic" sz="quarter" idx="15"/>
-          </p:nvPr>
-        </p:nvPicPr>
-        <p:blipFill rotWithShape="1">
-          <a:blip r:embed="rId5" cstate="screen">
-            <a:extLst>
-              <a:ext uri="{28A0092B-C50C-407E-A947-70E740481C1C}">
-                <a14:useLocalDpi xmlns:a14="http://schemas.microsoft.com/office/drawing/2010/main" val="0"/>
-              </a:ext>
-            </a:extLst>
-          </a:blip>
-          <a:srcRect/>
-          <a:stretch/>
-        </p:blipFill>
-        <p:spPr>
-          <a:xfrm>
-            <a:off x="-1" y="4613572"/>
-            <a:ext cx="4613544" cy="2241520"/>
-          </a:xfrm>
-        </p:spPr>
-      </p:pic>
-      <p:sp>
-        <p:nvSpPr>
-          <p:cNvPr id="17" name="Footer Placeholder 16">
-            <a:extLst>
-              <a:ext uri="{FF2B5EF4-FFF2-40B4-BE49-F238E27FC236}">
-                <a16:creationId xmlns:a16="http://schemas.microsoft.com/office/drawing/2014/main" id="{A7A34B0D-1722-4024-BC6E-2A411B0AF724}"/>
-              </a:ext>
-            </a:extLst>
-          </p:cNvPr>
-          <p:cNvSpPr>
-            <a:spLocks noGrp="1"/>
-          </p:cNvSpPr>
-          <p:nvPr>
-            <p:ph type="ftr" sz="quarter" idx="11"/>
-          </p:nvPr>
-        </p:nvSpPr>
-        <p:spPr>
-          <a:xfrm>
-            <a:off x="642917" y="6309360"/>
-            <a:ext cx="3271516" cy="457200"/>
-          </a:xfrm>
-        </p:spPr>
-        <p:txBody>
-          <a:bodyPr/>
-          <a:lstStyle/>
-          <a:p>
-            <a:r>
-              <a:rPr lang="en-US" dirty="0"/>
-              <a:t>Presentation Title</a:t>
-            </a:r>
-          </a:p>
-        </p:txBody>
-      </p:sp>
-      <p:sp>
-        <p:nvSpPr>
-          <p:cNvPr id="18" name="Slide Number Placeholder 17">
-            <a:extLst>
-              <a:ext uri="{FF2B5EF4-FFF2-40B4-BE49-F238E27FC236}">
-                <a16:creationId xmlns:a16="http://schemas.microsoft.com/office/drawing/2014/main" id="{75DB2E64-AD14-44FE-948F-FCBEC637E2C1}"/>
-              </a:ext>
-            </a:extLst>
-          </p:cNvPr>
-          <p:cNvSpPr>
-            <a:spLocks noGrp="1"/>
-          </p:cNvSpPr>
-          <p:nvPr>
-            <p:ph type="sldNum" sz="quarter" idx="12"/>
-          </p:nvPr>
-        </p:nvSpPr>
-        <p:spPr>
-          <a:xfrm>
-            <a:off x="10569202" y="6309360"/>
-            <a:ext cx="979879" cy="457200"/>
-          </a:xfrm>
-        </p:spPr>
-        <p:txBody>
-          <a:bodyPr/>
-          <a:lstStyle/>
-          <a:p>
-            <a:fld id="{FAEF9944-A4F6-4C59-AEBD-678D6480B8EA}" type="slidenum">
-              <a:rPr lang="en-US" smtClean="0"/>
-              <a:pPr/>
-              <a:t>16</a:t>
-            </a:fld>
-            <a:endParaRPr lang="en-US" dirty="0"/>
-          </a:p>
-        </p:txBody>
-      </p:sp>
-      <p:sp>
-        <p:nvSpPr>
-          <p:cNvPr id="4" name="Content Placeholder 9">
-            <a:extLst>
-              <a:ext uri="{FF2B5EF4-FFF2-40B4-BE49-F238E27FC236}">
-                <a16:creationId xmlns:a16="http://schemas.microsoft.com/office/drawing/2014/main" id="{5F8363CE-AE7E-AFE5-CB9B-DC185BBF102F}"/>
-              </a:ext>
-            </a:extLst>
-          </p:cNvPr>
-          <p:cNvSpPr txBox="1">
-            <a:spLocks/>
-          </p:cNvSpPr>
-          <p:nvPr/>
-        </p:nvSpPr>
-        <p:spPr>
-          <a:xfrm>
-            <a:off x="5267339" y="1400371"/>
-            <a:ext cx="5751777" cy="465155"/>
-          </a:xfrm>
-          <a:prstGeom prst="rect">
-            <a:avLst/>
-          </a:prstGeom>
-        </p:spPr>
-        <p:txBody>
-          <a:bodyPr vert="horz" lIns="109728" tIns="109728" rIns="109728" bIns="91440" rtlCol="0" anchor="t">
-            <a:noAutofit/>
-          </a:bodyPr>
-          <a:lstStyle>
-            <a:lvl1pPr marL="0" indent="0" algn="ctr" defTabSz="914400" rtl="0" eaLnBrk="1" latinLnBrk="0" hangingPunct="1">
-              <a:lnSpc>
-                <a:spcPct val="140000"/>
-              </a:lnSpc>
-              <a:spcBef>
-                <a:spcPts val="930"/>
-              </a:spcBef>
-              <a:buFont typeface="Corbel" panose="020B0503020204020204" pitchFamily="34" charset="0"/>
-              <a:buNone/>
-              <a:defRPr sz="1800" b="1" kern="1200" spc="150" baseline="0">
-                <a:solidFill>
-                  <a:schemeClr val="tx1">
-                    <a:lumMod val="75000"/>
-                    <a:lumOff val="25000"/>
-                  </a:schemeClr>
-                </a:solidFill>
-                <a:latin typeface="+mn-lt"/>
-                <a:ea typeface="+mn-ea"/>
-                <a:cs typeface="+mn-cs"/>
-              </a:defRPr>
-            </a:lvl1pPr>
-            <a:lvl2pPr marL="0" indent="0" algn="l" defTabSz="914400" rtl="0" eaLnBrk="1" latinLnBrk="0" hangingPunct="1">
-              <a:lnSpc>
-                <a:spcPct val="140000"/>
-              </a:lnSpc>
-              <a:spcBef>
-                <a:spcPts val="930"/>
-              </a:spcBef>
-              <a:buFont typeface="Corbel" panose="020B0503020204020204" pitchFamily="34" charset="0"/>
-              <a:buNone/>
-              <a:defRPr sz="1600" kern="1200" spc="150" baseline="0">
-                <a:solidFill>
-                  <a:schemeClr val="tx1">
-                    <a:lumMod val="75000"/>
-                    <a:lumOff val="25000"/>
-                  </a:schemeClr>
-                </a:solidFill>
-                <a:latin typeface="+mn-lt"/>
-                <a:ea typeface="+mn-ea"/>
-                <a:cs typeface="+mn-cs"/>
-              </a:defRPr>
-            </a:lvl2pPr>
-            <a:lvl3pPr marL="0" indent="-320040" algn="l" defTabSz="914400" rtl="0" eaLnBrk="1" latinLnBrk="0" hangingPunct="1">
-              <a:lnSpc>
-                <a:spcPct val="140000"/>
-              </a:lnSpc>
-              <a:spcBef>
-                <a:spcPts val="930"/>
-              </a:spcBef>
-              <a:buFont typeface="Corbel" panose="020B0503020204020204" pitchFamily="34" charset="0"/>
-              <a:buChar char="–"/>
-              <a:defRPr sz="1400" i="1" kern="1200" spc="150" baseline="0">
-                <a:solidFill>
-                  <a:schemeClr val="tx1">
-                    <a:lumMod val="75000"/>
-                    <a:lumOff val="25000"/>
-                  </a:schemeClr>
-                </a:solidFill>
-                <a:latin typeface="+mn-lt"/>
-                <a:ea typeface="+mn-ea"/>
-                <a:cs typeface="+mn-cs"/>
-              </a:defRPr>
-            </a:lvl3pPr>
-            <a:lvl4pPr marL="0" indent="-320040" algn="l" defTabSz="914400" rtl="0" eaLnBrk="1" latinLnBrk="0" hangingPunct="1">
-              <a:lnSpc>
-                <a:spcPct val="140000"/>
-              </a:lnSpc>
-              <a:spcBef>
-                <a:spcPts val="930"/>
-              </a:spcBef>
-              <a:buFont typeface="Corbel" panose="020B0503020204020204" pitchFamily="34" charset="0"/>
-              <a:buChar char="–"/>
-              <a:defRPr sz="1400" kern="1200" spc="150" baseline="0">
-                <a:solidFill>
-                  <a:schemeClr val="tx1">
-                    <a:lumMod val="75000"/>
-                    <a:lumOff val="25000"/>
-                  </a:schemeClr>
-                </a:solidFill>
-                <a:latin typeface="+mn-lt"/>
-                <a:ea typeface="+mn-ea"/>
-                <a:cs typeface="+mn-cs"/>
-              </a:defRPr>
-            </a:lvl4pPr>
-            <a:lvl5pPr marL="0" indent="-320040" algn="l" defTabSz="914400" rtl="0" eaLnBrk="1" latinLnBrk="0" hangingPunct="1">
-              <a:lnSpc>
-                <a:spcPct val="140000"/>
-              </a:lnSpc>
-              <a:spcBef>
-                <a:spcPts val="930"/>
-              </a:spcBef>
-              <a:buFont typeface="Corbel" panose="020B0503020204020204" pitchFamily="34" charset="0"/>
-              <a:buChar char="–"/>
-              <a:defRPr sz="1400" i="1" kern="1200" spc="150" baseline="0">
-                <a:solidFill>
-                  <a:schemeClr val="tx1">
-                    <a:lumMod val="75000"/>
-                    <a:lumOff val="25000"/>
-                  </a:schemeClr>
-                </a:solidFill>
-                <a:latin typeface="+mn-lt"/>
-                <a:ea typeface="+mn-ea"/>
-                <a:cs typeface="+mn-cs"/>
-              </a:defRPr>
-            </a:lvl5pPr>
-            <a:lvl6pPr marL="1920240" indent="-320040" algn="l" defTabSz="914400" rtl="0" eaLnBrk="1" latinLnBrk="0" hangingPunct="1">
-              <a:lnSpc>
-                <a:spcPct val="111000"/>
-              </a:lnSpc>
-              <a:spcBef>
-                <a:spcPts val="930"/>
-              </a:spcBef>
-              <a:buFont typeface="Corbel" panose="020B0503020204020204" pitchFamily="34" charset="0"/>
-              <a:buChar char="–"/>
-              <a:defRPr sz="1400" kern="1200">
-                <a:solidFill>
-                  <a:schemeClr val="accent1">
-                    <a:lumMod val="75000"/>
-                  </a:schemeClr>
-                </a:solidFill>
-                <a:latin typeface="+mn-lt"/>
-                <a:ea typeface="+mn-ea"/>
-                <a:cs typeface="+mn-cs"/>
-              </a:defRPr>
-            </a:lvl6pPr>
-            <a:lvl7pPr marL="2240280" indent="-320040" algn="l" defTabSz="914400" rtl="0" eaLnBrk="1" latinLnBrk="0" hangingPunct="1">
-              <a:lnSpc>
-                <a:spcPct val="111000"/>
-              </a:lnSpc>
-              <a:spcBef>
-                <a:spcPts val="930"/>
-              </a:spcBef>
-              <a:buFont typeface="Corbel" panose="020B0503020204020204" pitchFamily="34" charset="0"/>
-              <a:buChar char="–"/>
-              <a:defRPr sz="1400" i="1" kern="1200">
-                <a:solidFill>
-                  <a:schemeClr val="accent1">
-                    <a:lumMod val="75000"/>
-                  </a:schemeClr>
-                </a:solidFill>
-                <a:latin typeface="+mn-lt"/>
-                <a:ea typeface="+mn-ea"/>
-                <a:cs typeface="+mn-cs"/>
-              </a:defRPr>
-            </a:lvl7pPr>
-            <a:lvl8pPr marL="2560320" indent="-320040" algn="l" defTabSz="914400" rtl="0" eaLnBrk="1" latinLnBrk="0" hangingPunct="1">
-              <a:lnSpc>
-                <a:spcPct val="111000"/>
-              </a:lnSpc>
-              <a:spcBef>
-                <a:spcPts val="930"/>
-              </a:spcBef>
-              <a:buFont typeface="Corbel" panose="020B0503020204020204" pitchFamily="34" charset="0"/>
-              <a:buChar char="–"/>
-              <a:defRPr sz="1400" kern="1200">
-                <a:solidFill>
-                  <a:schemeClr val="accent1">
-                    <a:lumMod val="75000"/>
-                  </a:schemeClr>
-                </a:solidFill>
-                <a:latin typeface="+mn-lt"/>
-                <a:ea typeface="+mn-ea"/>
-                <a:cs typeface="+mn-cs"/>
-              </a:defRPr>
-            </a:lvl8pPr>
-            <a:lvl9pPr marL="2880360" indent="-320040" algn="l" defTabSz="914400" rtl="0" eaLnBrk="1" latinLnBrk="0" hangingPunct="1">
-              <a:lnSpc>
-                <a:spcPct val="111000"/>
-              </a:lnSpc>
-              <a:spcBef>
-                <a:spcPts val="930"/>
-              </a:spcBef>
-              <a:buFont typeface="Corbel" panose="020B0503020204020204" pitchFamily="34" charset="0"/>
-              <a:buChar char="–"/>
-              <a:defRPr sz="1400" i="1" kern="1200">
-                <a:solidFill>
-                  <a:schemeClr val="accent1">
-                    <a:lumMod val="75000"/>
-                  </a:schemeClr>
-                </a:solidFill>
-                <a:latin typeface="+mn-lt"/>
-                <a:ea typeface="+mn-ea"/>
-                <a:cs typeface="+mn-cs"/>
-              </a:defRPr>
-            </a:lvl9pPr>
-          </a:lstStyle>
-          <a:p>
-            <a:pPr algn="l"/>
-            <a:r>
-              <a:rPr lang="en-US" sz="2000" dirty="0"/>
-              <a:t>Challenges</a:t>
-            </a:r>
-          </a:p>
-        </p:txBody>
-      </p:sp>
-      <p:sp>
-        <p:nvSpPr>
-          <p:cNvPr id="5" name="Content Placeholder 5">
-            <a:extLst>
-              <a:ext uri="{FF2B5EF4-FFF2-40B4-BE49-F238E27FC236}">
-                <a16:creationId xmlns:a16="http://schemas.microsoft.com/office/drawing/2014/main" id="{51A7F3C5-5757-B49D-6B0E-7F82BC901E65}"/>
-              </a:ext>
-            </a:extLst>
-          </p:cNvPr>
-          <p:cNvSpPr txBox="1">
-            <a:spLocks/>
-          </p:cNvSpPr>
-          <p:nvPr/>
-        </p:nvSpPr>
-        <p:spPr>
-          <a:xfrm>
-            <a:off x="4820479" y="1988746"/>
-            <a:ext cx="7071694" cy="3968993"/>
-          </a:xfrm>
-          <a:prstGeom prst="rect">
-            <a:avLst/>
-          </a:prstGeom>
-        </p:spPr>
-        <p:txBody>
-          <a:bodyPr vert="horz" lIns="109728" tIns="109728" rIns="109728" bIns="91440" rtlCol="0" anchor="t">
-            <a:noAutofit/>
-          </a:bodyPr>
-          <a:lstStyle>
-            <a:lvl1pPr marL="0" indent="0" algn="ctr" defTabSz="914400" rtl="0" eaLnBrk="1" latinLnBrk="0" hangingPunct="1">
-              <a:lnSpc>
-                <a:spcPct val="140000"/>
-              </a:lnSpc>
-              <a:spcBef>
-                <a:spcPts val="930"/>
-              </a:spcBef>
-              <a:buFont typeface="Corbel" panose="020B0503020204020204" pitchFamily="34" charset="0"/>
-              <a:buNone/>
-              <a:defRPr sz="1800" b="1" kern="1200" spc="150" baseline="0">
-                <a:solidFill>
-                  <a:schemeClr val="tx1">
-                    <a:lumMod val="75000"/>
-                    <a:lumOff val="25000"/>
-                  </a:schemeClr>
-                </a:solidFill>
-                <a:latin typeface="+mn-lt"/>
-                <a:ea typeface="+mn-ea"/>
-                <a:cs typeface="+mn-cs"/>
-              </a:defRPr>
-            </a:lvl1pPr>
-            <a:lvl2pPr marL="0" indent="0" algn="l" defTabSz="914400" rtl="0" eaLnBrk="1" latinLnBrk="0" hangingPunct="1">
-              <a:lnSpc>
-                <a:spcPct val="140000"/>
-              </a:lnSpc>
-              <a:spcBef>
-                <a:spcPts val="930"/>
-              </a:spcBef>
-              <a:buFont typeface="Corbel" panose="020B0503020204020204" pitchFamily="34" charset="0"/>
-              <a:buNone/>
-              <a:defRPr sz="1600" kern="1200" spc="150" baseline="0">
-                <a:solidFill>
-                  <a:schemeClr val="tx1">
-                    <a:lumMod val="75000"/>
-                    <a:lumOff val="25000"/>
-                  </a:schemeClr>
-                </a:solidFill>
-                <a:latin typeface="+mn-lt"/>
-                <a:ea typeface="+mn-ea"/>
-                <a:cs typeface="+mn-cs"/>
-              </a:defRPr>
-            </a:lvl2pPr>
-            <a:lvl3pPr marL="0" indent="-320040" algn="l" defTabSz="914400" rtl="0" eaLnBrk="1" latinLnBrk="0" hangingPunct="1">
-              <a:lnSpc>
-                <a:spcPct val="140000"/>
-              </a:lnSpc>
-              <a:spcBef>
-                <a:spcPts val="930"/>
-              </a:spcBef>
-              <a:buFont typeface="Corbel" panose="020B0503020204020204" pitchFamily="34" charset="0"/>
-              <a:buChar char="–"/>
-              <a:defRPr sz="1400" i="1" kern="1200" spc="150" baseline="0">
-                <a:solidFill>
-                  <a:schemeClr val="tx1">
-                    <a:lumMod val="75000"/>
-                    <a:lumOff val="25000"/>
-                  </a:schemeClr>
-                </a:solidFill>
-                <a:latin typeface="+mn-lt"/>
-                <a:ea typeface="+mn-ea"/>
-                <a:cs typeface="+mn-cs"/>
-              </a:defRPr>
-            </a:lvl3pPr>
-            <a:lvl4pPr marL="0" indent="-320040" algn="l" defTabSz="914400" rtl="0" eaLnBrk="1" latinLnBrk="0" hangingPunct="1">
-              <a:lnSpc>
-                <a:spcPct val="140000"/>
-              </a:lnSpc>
-              <a:spcBef>
-                <a:spcPts val="930"/>
-              </a:spcBef>
-              <a:buFont typeface="Corbel" panose="020B0503020204020204" pitchFamily="34" charset="0"/>
-              <a:buChar char="–"/>
-              <a:defRPr sz="1400" kern="1200" spc="150" baseline="0">
-                <a:solidFill>
-                  <a:schemeClr val="tx1">
-                    <a:lumMod val="75000"/>
-                    <a:lumOff val="25000"/>
-                  </a:schemeClr>
-                </a:solidFill>
-                <a:latin typeface="+mn-lt"/>
-                <a:ea typeface="+mn-ea"/>
-                <a:cs typeface="+mn-cs"/>
-              </a:defRPr>
-            </a:lvl4pPr>
-            <a:lvl5pPr marL="0" indent="-320040" algn="l" defTabSz="914400" rtl="0" eaLnBrk="1" latinLnBrk="0" hangingPunct="1">
-              <a:lnSpc>
-                <a:spcPct val="140000"/>
-              </a:lnSpc>
-              <a:spcBef>
-                <a:spcPts val="930"/>
-              </a:spcBef>
-              <a:buFont typeface="Corbel" panose="020B0503020204020204" pitchFamily="34" charset="0"/>
-              <a:buChar char="–"/>
-              <a:defRPr sz="1400" i="1" kern="1200" spc="150" baseline="0">
-                <a:solidFill>
-                  <a:schemeClr val="tx1">
-                    <a:lumMod val="75000"/>
-                    <a:lumOff val="25000"/>
-                  </a:schemeClr>
-                </a:solidFill>
-                <a:latin typeface="+mn-lt"/>
-                <a:ea typeface="+mn-ea"/>
-                <a:cs typeface="+mn-cs"/>
-              </a:defRPr>
-            </a:lvl5pPr>
-            <a:lvl6pPr marL="1920240" indent="-320040" algn="l" defTabSz="914400" rtl="0" eaLnBrk="1" latinLnBrk="0" hangingPunct="1">
-              <a:lnSpc>
-                <a:spcPct val="111000"/>
-              </a:lnSpc>
-              <a:spcBef>
-                <a:spcPts val="930"/>
-              </a:spcBef>
-              <a:buFont typeface="Corbel" panose="020B0503020204020204" pitchFamily="34" charset="0"/>
-              <a:buChar char="–"/>
-              <a:defRPr sz="1400" kern="1200">
-                <a:solidFill>
-                  <a:schemeClr val="accent1">
-                    <a:lumMod val="75000"/>
-                  </a:schemeClr>
-                </a:solidFill>
-                <a:latin typeface="+mn-lt"/>
-                <a:ea typeface="+mn-ea"/>
-                <a:cs typeface="+mn-cs"/>
-              </a:defRPr>
-            </a:lvl6pPr>
-            <a:lvl7pPr marL="2240280" indent="-320040" algn="l" defTabSz="914400" rtl="0" eaLnBrk="1" latinLnBrk="0" hangingPunct="1">
-              <a:lnSpc>
-                <a:spcPct val="111000"/>
-              </a:lnSpc>
-              <a:spcBef>
-                <a:spcPts val="930"/>
-              </a:spcBef>
-              <a:buFont typeface="Corbel" panose="020B0503020204020204" pitchFamily="34" charset="0"/>
-              <a:buChar char="–"/>
-              <a:defRPr sz="1400" i="1" kern="1200">
-                <a:solidFill>
-                  <a:schemeClr val="accent1">
-                    <a:lumMod val="75000"/>
-                  </a:schemeClr>
-                </a:solidFill>
-                <a:latin typeface="+mn-lt"/>
-                <a:ea typeface="+mn-ea"/>
-                <a:cs typeface="+mn-cs"/>
-              </a:defRPr>
-            </a:lvl7pPr>
-            <a:lvl8pPr marL="2560320" indent="-320040" algn="l" defTabSz="914400" rtl="0" eaLnBrk="1" latinLnBrk="0" hangingPunct="1">
-              <a:lnSpc>
-                <a:spcPct val="111000"/>
-              </a:lnSpc>
-              <a:spcBef>
-                <a:spcPts val="930"/>
-              </a:spcBef>
-              <a:buFont typeface="Corbel" panose="020B0503020204020204" pitchFamily="34" charset="0"/>
-              <a:buChar char="–"/>
-              <a:defRPr sz="1400" kern="1200">
-                <a:solidFill>
-                  <a:schemeClr val="accent1">
-                    <a:lumMod val="75000"/>
-                  </a:schemeClr>
-                </a:solidFill>
-                <a:latin typeface="+mn-lt"/>
-                <a:ea typeface="+mn-ea"/>
-                <a:cs typeface="+mn-cs"/>
-              </a:defRPr>
-            </a:lvl8pPr>
-            <a:lvl9pPr marL="2880360" indent="-320040" algn="l" defTabSz="914400" rtl="0" eaLnBrk="1" latinLnBrk="0" hangingPunct="1">
-              <a:lnSpc>
-                <a:spcPct val="111000"/>
-              </a:lnSpc>
-              <a:spcBef>
-                <a:spcPts val="930"/>
-              </a:spcBef>
-              <a:buFont typeface="Corbel" panose="020B0503020204020204" pitchFamily="34" charset="0"/>
-              <a:buChar char="–"/>
-              <a:defRPr sz="1400" i="1" kern="1200">
-                <a:solidFill>
-                  <a:schemeClr val="accent1">
-                    <a:lumMod val="75000"/>
-                  </a:schemeClr>
-                </a:solidFill>
-                <a:latin typeface="+mn-lt"/>
-                <a:ea typeface="+mn-ea"/>
-                <a:cs typeface="+mn-cs"/>
-              </a:defRPr>
-            </a:lvl9pPr>
-          </a:lstStyle>
-          <a:p>
-            <a:pPr algn="l">
-              <a:buClr>
-                <a:srgbClr val="BD252F"/>
-              </a:buClr>
-              <a:buFont typeface="Wingdings" pitchFamily="2" charset="2"/>
-              <a:buChar char="v"/>
-            </a:pPr>
-            <a:r>
-              <a:rPr lang="en-US" sz="1400" dirty="0"/>
-              <a:t>Changing NA to 0 created outliers that negatively impacted the modeling</a:t>
-            </a:r>
-          </a:p>
-          <a:p>
-            <a:pPr algn="l">
-              <a:buClr>
-                <a:srgbClr val="BD252F"/>
-              </a:buClr>
-              <a:buFont typeface="Wingdings" pitchFamily="2" charset="2"/>
-              <a:buChar char="v"/>
-            </a:pPr>
-            <a:r>
-              <a:rPr lang="en-US" sz="1400" dirty="0"/>
-              <a:t>Highest classification accuracy of 49% was obtained using </a:t>
-            </a:r>
-            <a:r>
-              <a:rPr lang="en-US" sz="1400" dirty="0" err="1"/>
-              <a:t>Tensorflow</a:t>
-            </a:r>
-            <a:endParaRPr lang="en-US" sz="1400" dirty="0"/>
-          </a:p>
-          <a:p>
-            <a:pPr algn="l">
-              <a:buClr>
-                <a:srgbClr val="BD252F"/>
-              </a:buClr>
-              <a:buFont typeface="Wingdings" pitchFamily="2" charset="2"/>
-              <a:buChar char="v"/>
-            </a:pPr>
-            <a:r>
-              <a:rPr lang="en-US" sz="1400" dirty="0"/>
-              <a:t>Google </a:t>
-            </a:r>
-            <a:r>
-              <a:rPr lang="en-US" sz="1400" dirty="0" err="1"/>
-              <a:t>Colab</a:t>
-            </a:r>
-            <a:r>
-              <a:rPr lang="en-US" sz="1400" dirty="0"/>
-              <a:t> issues with modeling and plotting due to versioning</a:t>
-            </a:r>
-          </a:p>
-          <a:p>
-            <a:pPr>
-              <a:buClr>
-                <a:srgbClr val="BD252F"/>
-              </a:buClr>
-              <a:buFont typeface="Wingdings" pitchFamily="2" charset="2"/>
-              <a:buChar char="v"/>
-            </a:pPr>
-            <a:endParaRPr lang="en-US" sz="1400" dirty="0"/>
-          </a:p>
-        </p:txBody>
-      </p:sp>
-      <p:sp>
-        <p:nvSpPr>
-          <p:cNvPr id="6" name="Content Placeholder 9">
-            <a:extLst>
-              <a:ext uri="{FF2B5EF4-FFF2-40B4-BE49-F238E27FC236}">
-                <a16:creationId xmlns:a16="http://schemas.microsoft.com/office/drawing/2014/main" id="{378FBF5B-D50D-1287-CE4D-0B2A17394A75}"/>
-              </a:ext>
-            </a:extLst>
-          </p:cNvPr>
-          <p:cNvSpPr txBox="1">
-            <a:spLocks/>
-          </p:cNvSpPr>
-          <p:nvPr/>
-        </p:nvSpPr>
-        <p:spPr>
-          <a:xfrm>
-            <a:off x="5267339" y="4632667"/>
-            <a:ext cx="6624833" cy="465155"/>
-          </a:xfrm>
-          <a:prstGeom prst="rect">
-            <a:avLst/>
-          </a:prstGeom>
-        </p:spPr>
-        <p:txBody>
-          <a:bodyPr vert="horz" lIns="109728" tIns="109728" rIns="109728" bIns="91440" rtlCol="0" anchor="t">
-            <a:noAutofit/>
-          </a:bodyPr>
-          <a:lstStyle>
-            <a:lvl1pPr marL="0" indent="0" algn="l" defTabSz="914400" rtl="0" eaLnBrk="1" latinLnBrk="0" hangingPunct="1">
-              <a:lnSpc>
-                <a:spcPct val="140000"/>
-              </a:lnSpc>
-              <a:spcBef>
-                <a:spcPts val="930"/>
-              </a:spcBef>
-              <a:buFont typeface="Arial" panose="020B0604020202020204" pitchFamily="34" charset="0"/>
-              <a:buNone/>
-              <a:defRPr sz="2000" b="1" kern="1200" spc="150" baseline="0">
-                <a:solidFill>
-                  <a:schemeClr val="tx1">
-                    <a:lumMod val="75000"/>
-                    <a:lumOff val="25000"/>
-                  </a:schemeClr>
-                </a:solidFill>
-                <a:latin typeface="+mn-lt"/>
-                <a:ea typeface="+mn-ea"/>
-                <a:cs typeface="+mn-cs"/>
-              </a:defRPr>
-            </a:lvl1pPr>
-            <a:lvl2pPr marL="0" indent="0" algn="l" defTabSz="914400" rtl="0" eaLnBrk="1" latinLnBrk="0" hangingPunct="1">
-              <a:lnSpc>
-                <a:spcPct val="140000"/>
-              </a:lnSpc>
-              <a:spcBef>
-                <a:spcPts val="930"/>
-              </a:spcBef>
-              <a:buFont typeface="Corbel" panose="020B0503020204020204" pitchFamily="34" charset="0"/>
-              <a:buNone/>
-              <a:defRPr sz="1600" kern="1200" spc="150" baseline="0">
-                <a:solidFill>
-                  <a:schemeClr val="tx1">
-                    <a:lumMod val="75000"/>
-                    <a:lumOff val="25000"/>
-                  </a:schemeClr>
-                </a:solidFill>
-                <a:latin typeface="+mn-lt"/>
-                <a:ea typeface="+mn-ea"/>
-                <a:cs typeface="+mn-cs"/>
-              </a:defRPr>
-            </a:lvl2pPr>
-            <a:lvl3pPr marL="0" indent="-320040" algn="l" defTabSz="914400" rtl="0" eaLnBrk="1" latinLnBrk="0" hangingPunct="1">
-              <a:lnSpc>
-                <a:spcPct val="140000"/>
-              </a:lnSpc>
-              <a:spcBef>
-                <a:spcPts val="930"/>
-              </a:spcBef>
-              <a:buFont typeface="Corbel" panose="020B0503020204020204" pitchFamily="34" charset="0"/>
-              <a:buChar char="–"/>
-              <a:defRPr sz="1400" i="1" kern="1200" spc="150" baseline="0">
-                <a:solidFill>
-                  <a:schemeClr val="tx1">
-                    <a:lumMod val="75000"/>
-                    <a:lumOff val="25000"/>
-                  </a:schemeClr>
-                </a:solidFill>
-                <a:latin typeface="+mn-lt"/>
-                <a:ea typeface="+mn-ea"/>
-                <a:cs typeface="+mn-cs"/>
-              </a:defRPr>
-            </a:lvl3pPr>
-            <a:lvl4pPr marL="0" indent="-320040" algn="l" defTabSz="914400" rtl="0" eaLnBrk="1" latinLnBrk="0" hangingPunct="1">
-              <a:lnSpc>
-                <a:spcPct val="140000"/>
-              </a:lnSpc>
-              <a:spcBef>
-                <a:spcPts val="930"/>
-              </a:spcBef>
-              <a:buFont typeface="Corbel" panose="020B0503020204020204" pitchFamily="34" charset="0"/>
-              <a:buChar char="–"/>
-              <a:defRPr sz="1400" kern="1200" spc="150" baseline="0">
-                <a:solidFill>
-                  <a:schemeClr val="tx1">
-                    <a:lumMod val="75000"/>
-                    <a:lumOff val="25000"/>
-                  </a:schemeClr>
-                </a:solidFill>
-                <a:latin typeface="+mn-lt"/>
-                <a:ea typeface="+mn-ea"/>
-                <a:cs typeface="+mn-cs"/>
-              </a:defRPr>
-            </a:lvl4pPr>
-            <a:lvl5pPr marL="0" indent="-320040" algn="l" defTabSz="914400" rtl="0" eaLnBrk="1" latinLnBrk="0" hangingPunct="1">
-              <a:lnSpc>
-                <a:spcPct val="140000"/>
-              </a:lnSpc>
-              <a:spcBef>
-                <a:spcPts val="930"/>
-              </a:spcBef>
-              <a:buFont typeface="Corbel" panose="020B0503020204020204" pitchFamily="34" charset="0"/>
-              <a:buChar char="–"/>
-              <a:defRPr sz="1400" i="1" kern="1200" spc="150" baseline="0">
-                <a:solidFill>
-                  <a:schemeClr val="tx1">
-                    <a:lumMod val="75000"/>
-                    <a:lumOff val="25000"/>
-                  </a:schemeClr>
-                </a:solidFill>
-                <a:latin typeface="+mn-lt"/>
-                <a:ea typeface="+mn-ea"/>
-                <a:cs typeface="+mn-cs"/>
-              </a:defRPr>
-            </a:lvl5pPr>
-            <a:lvl6pPr marL="1920240" indent="-320040" algn="l" defTabSz="914400" rtl="0" eaLnBrk="1" latinLnBrk="0" hangingPunct="1">
-              <a:lnSpc>
-                <a:spcPct val="111000"/>
-              </a:lnSpc>
-              <a:spcBef>
-                <a:spcPts val="930"/>
-              </a:spcBef>
-              <a:buFont typeface="Corbel" panose="020B0503020204020204" pitchFamily="34" charset="0"/>
-              <a:buChar char="–"/>
-              <a:defRPr sz="1400" kern="1200">
-                <a:solidFill>
-                  <a:schemeClr val="accent1">
-                    <a:lumMod val="75000"/>
-                  </a:schemeClr>
-                </a:solidFill>
-                <a:latin typeface="+mn-lt"/>
-                <a:ea typeface="+mn-ea"/>
-                <a:cs typeface="+mn-cs"/>
-              </a:defRPr>
-            </a:lvl6pPr>
-            <a:lvl7pPr marL="2240280" indent="-320040" algn="l" defTabSz="914400" rtl="0" eaLnBrk="1" latinLnBrk="0" hangingPunct="1">
-              <a:lnSpc>
-                <a:spcPct val="111000"/>
-              </a:lnSpc>
-              <a:spcBef>
-                <a:spcPts val="930"/>
-              </a:spcBef>
-              <a:buFont typeface="Corbel" panose="020B0503020204020204" pitchFamily="34" charset="0"/>
-              <a:buChar char="–"/>
-              <a:defRPr sz="1400" i="1" kern="1200">
-                <a:solidFill>
-                  <a:schemeClr val="accent1">
-                    <a:lumMod val="75000"/>
-                  </a:schemeClr>
-                </a:solidFill>
-                <a:latin typeface="+mn-lt"/>
-                <a:ea typeface="+mn-ea"/>
-                <a:cs typeface="+mn-cs"/>
-              </a:defRPr>
-            </a:lvl7pPr>
-            <a:lvl8pPr marL="2560320" indent="-320040" algn="l" defTabSz="914400" rtl="0" eaLnBrk="1" latinLnBrk="0" hangingPunct="1">
-              <a:lnSpc>
-                <a:spcPct val="111000"/>
-              </a:lnSpc>
-              <a:spcBef>
-                <a:spcPts val="930"/>
-              </a:spcBef>
-              <a:buFont typeface="Corbel" panose="020B0503020204020204" pitchFamily="34" charset="0"/>
-              <a:buChar char="–"/>
-              <a:defRPr sz="1400" kern="1200">
-                <a:solidFill>
-                  <a:schemeClr val="accent1">
-                    <a:lumMod val="75000"/>
-                  </a:schemeClr>
-                </a:solidFill>
-                <a:latin typeface="+mn-lt"/>
-                <a:ea typeface="+mn-ea"/>
-                <a:cs typeface="+mn-cs"/>
-              </a:defRPr>
-            </a:lvl8pPr>
-            <a:lvl9pPr marL="2880360" indent="-320040" algn="l" defTabSz="914400" rtl="0" eaLnBrk="1" latinLnBrk="0" hangingPunct="1">
-              <a:lnSpc>
-                <a:spcPct val="111000"/>
-              </a:lnSpc>
-              <a:spcBef>
-                <a:spcPts val="930"/>
-              </a:spcBef>
-              <a:buFont typeface="Corbel" panose="020B0503020204020204" pitchFamily="34" charset="0"/>
-              <a:buChar char="–"/>
-              <a:defRPr sz="1400" i="1" kern="1200">
-                <a:solidFill>
-                  <a:schemeClr val="accent1">
-                    <a:lumMod val="75000"/>
-                  </a:schemeClr>
-                </a:solidFill>
-                <a:latin typeface="+mn-lt"/>
-                <a:ea typeface="+mn-ea"/>
-                <a:cs typeface="+mn-cs"/>
-              </a:defRPr>
-            </a:lvl9pPr>
-          </a:lstStyle>
-          <a:p>
-            <a:r>
-              <a:rPr lang="en-US" dirty="0"/>
-              <a:t>Lessons Learned</a:t>
-            </a:r>
-          </a:p>
-        </p:txBody>
-      </p:sp>
-      <p:sp>
-        <p:nvSpPr>
-          <p:cNvPr id="10" name="Content Placeholder 5">
-            <a:extLst>
-              <a:ext uri="{FF2B5EF4-FFF2-40B4-BE49-F238E27FC236}">
-                <a16:creationId xmlns:a16="http://schemas.microsoft.com/office/drawing/2014/main" id="{44F218AA-3F55-FE81-78A0-7A8158686251}"/>
-              </a:ext>
-            </a:extLst>
-          </p:cNvPr>
-          <p:cNvSpPr txBox="1">
-            <a:spLocks/>
-          </p:cNvSpPr>
-          <p:nvPr/>
-        </p:nvSpPr>
-        <p:spPr>
-          <a:xfrm>
-            <a:off x="4820479" y="5221043"/>
-            <a:ext cx="6934241" cy="3968992"/>
-          </a:xfrm>
-          <a:prstGeom prst="rect">
-            <a:avLst/>
-          </a:prstGeom>
-        </p:spPr>
-        <p:txBody>
-          <a:bodyPr vert="horz" lIns="109728" tIns="109728" rIns="109728" bIns="91440" rtlCol="0" anchor="t">
-            <a:noAutofit/>
-          </a:bodyPr>
-          <a:lstStyle>
-            <a:lvl1pPr marL="283464" indent="-283464" algn="l" defTabSz="914400" rtl="0" eaLnBrk="1" latinLnBrk="0" hangingPunct="1">
-              <a:lnSpc>
-                <a:spcPct val="140000"/>
-              </a:lnSpc>
-              <a:spcBef>
-                <a:spcPts val="930"/>
-              </a:spcBef>
-              <a:buFont typeface="Arial" panose="020B0604020202020204" pitchFamily="34" charset="0"/>
-              <a:buChar char="•"/>
-              <a:defRPr sz="1600" b="0" kern="1200" spc="150" baseline="0">
-                <a:solidFill>
-                  <a:schemeClr val="tx1">
-                    <a:lumMod val="75000"/>
-                    <a:lumOff val="25000"/>
-                  </a:schemeClr>
-                </a:solidFill>
-                <a:latin typeface="+mn-lt"/>
-                <a:ea typeface="+mn-ea"/>
-                <a:cs typeface="+mn-cs"/>
-              </a:defRPr>
-            </a:lvl1pPr>
-            <a:lvl2pPr marL="0" indent="0" algn="l" defTabSz="914400" rtl="0" eaLnBrk="1" latinLnBrk="0" hangingPunct="1">
-              <a:lnSpc>
-                <a:spcPct val="140000"/>
-              </a:lnSpc>
-              <a:spcBef>
-                <a:spcPts val="930"/>
-              </a:spcBef>
-              <a:buFont typeface="Corbel" panose="020B0503020204020204" pitchFamily="34" charset="0"/>
-              <a:buNone/>
-              <a:defRPr sz="1600" kern="1200" spc="150" baseline="0">
-                <a:solidFill>
-                  <a:schemeClr val="tx1">
-                    <a:lumMod val="75000"/>
-                    <a:lumOff val="25000"/>
-                  </a:schemeClr>
-                </a:solidFill>
-                <a:latin typeface="+mn-lt"/>
-                <a:ea typeface="+mn-ea"/>
-                <a:cs typeface="+mn-cs"/>
-              </a:defRPr>
-            </a:lvl2pPr>
-            <a:lvl3pPr marL="0" indent="-320040" algn="l" defTabSz="914400" rtl="0" eaLnBrk="1" latinLnBrk="0" hangingPunct="1">
-              <a:lnSpc>
-                <a:spcPct val="140000"/>
-              </a:lnSpc>
-              <a:spcBef>
-                <a:spcPts val="930"/>
-              </a:spcBef>
-              <a:buFont typeface="Corbel" panose="020B0503020204020204" pitchFamily="34" charset="0"/>
-              <a:buChar char="–"/>
-              <a:defRPr sz="1400" i="1" kern="1200" spc="150" baseline="0">
-                <a:solidFill>
-                  <a:schemeClr val="tx1">
-                    <a:lumMod val="75000"/>
-                    <a:lumOff val="25000"/>
-                  </a:schemeClr>
-                </a:solidFill>
-                <a:latin typeface="+mn-lt"/>
-                <a:ea typeface="+mn-ea"/>
-                <a:cs typeface="+mn-cs"/>
-              </a:defRPr>
-            </a:lvl3pPr>
-            <a:lvl4pPr marL="0" indent="-320040" algn="l" defTabSz="914400" rtl="0" eaLnBrk="1" latinLnBrk="0" hangingPunct="1">
-              <a:lnSpc>
-                <a:spcPct val="140000"/>
-              </a:lnSpc>
-              <a:spcBef>
-                <a:spcPts val="930"/>
-              </a:spcBef>
-              <a:buFont typeface="Corbel" panose="020B0503020204020204" pitchFamily="34" charset="0"/>
-              <a:buChar char="–"/>
-              <a:defRPr sz="1400" kern="1200" spc="150" baseline="0">
-                <a:solidFill>
-                  <a:schemeClr val="tx1">
-                    <a:lumMod val="75000"/>
-                    <a:lumOff val="25000"/>
-                  </a:schemeClr>
-                </a:solidFill>
-                <a:latin typeface="+mn-lt"/>
-                <a:ea typeface="+mn-ea"/>
-                <a:cs typeface="+mn-cs"/>
-              </a:defRPr>
-            </a:lvl4pPr>
-            <a:lvl5pPr marL="0" indent="-320040" algn="l" defTabSz="914400" rtl="0" eaLnBrk="1" latinLnBrk="0" hangingPunct="1">
-              <a:lnSpc>
-                <a:spcPct val="140000"/>
-              </a:lnSpc>
-              <a:spcBef>
-                <a:spcPts val="930"/>
-              </a:spcBef>
-              <a:buFont typeface="Corbel" panose="020B0503020204020204" pitchFamily="34" charset="0"/>
-              <a:buChar char="–"/>
-              <a:defRPr sz="1400" i="1" kern="1200" spc="150" baseline="0">
-                <a:solidFill>
-                  <a:schemeClr val="tx1">
-                    <a:lumMod val="75000"/>
-                    <a:lumOff val="25000"/>
-                  </a:schemeClr>
-                </a:solidFill>
-                <a:latin typeface="+mn-lt"/>
-                <a:ea typeface="+mn-ea"/>
-                <a:cs typeface="+mn-cs"/>
-              </a:defRPr>
-            </a:lvl5pPr>
-            <a:lvl6pPr marL="1920240" indent="-320040" algn="l" defTabSz="914400" rtl="0" eaLnBrk="1" latinLnBrk="0" hangingPunct="1">
-              <a:lnSpc>
-                <a:spcPct val="111000"/>
-              </a:lnSpc>
-              <a:spcBef>
-                <a:spcPts val="930"/>
-              </a:spcBef>
-              <a:buFont typeface="Corbel" panose="020B0503020204020204" pitchFamily="34" charset="0"/>
-              <a:buChar char="–"/>
-              <a:defRPr sz="1400" kern="1200">
-                <a:solidFill>
-                  <a:schemeClr val="accent1">
-                    <a:lumMod val="75000"/>
-                  </a:schemeClr>
-                </a:solidFill>
-                <a:latin typeface="+mn-lt"/>
-                <a:ea typeface="+mn-ea"/>
-                <a:cs typeface="+mn-cs"/>
-              </a:defRPr>
-            </a:lvl6pPr>
-            <a:lvl7pPr marL="2240280" indent="-320040" algn="l" defTabSz="914400" rtl="0" eaLnBrk="1" latinLnBrk="0" hangingPunct="1">
-              <a:lnSpc>
-                <a:spcPct val="111000"/>
-              </a:lnSpc>
-              <a:spcBef>
-                <a:spcPts val="930"/>
-              </a:spcBef>
-              <a:buFont typeface="Corbel" panose="020B0503020204020204" pitchFamily="34" charset="0"/>
-              <a:buChar char="–"/>
-              <a:defRPr sz="1400" i="1" kern="1200">
-                <a:solidFill>
-                  <a:schemeClr val="accent1">
-                    <a:lumMod val="75000"/>
-                  </a:schemeClr>
-                </a:solidFill>
-                <a:latin typeface="+mn-lt"/>
-                <a:ea typeface="+mn-ea"/>
-                <a:cs typeface="+mn-cs"/>
-              </a:defRPr>
-            </a:lvl7pPr>
-            <a:lvl8pPr marL="2560320" indent="-320040" algn="l" defTabSz="914400" rtl="0" eaLnBrk="1" latinLnBrk="0" hangingPunct="1">
-              <a:lnSpc>
-                <a:spcPct val="111000"/>
-              </a:lnSpc>
-              <a:spcBef>
-                <a:spcPts val="930"/>
-              </a:spcBef>
-              <a:buFont typeface="Corbel" panose="020B0503020204020204" pitchFamily="34" charset="0"/>
-              <a:buChar char="–"/>
-              <a:defRPr sz="1400" kern="1200">
-                <a:solidFill>
-                  <a:schemeClr val="accent1">
-                    <a:lumMod val="75000"/>
-                  </a:schemeClr>
-                </a:solidFill>
-                <a:latin typeface="+mn-lt"/>
-                <a:ea typeface="+mn-ea"/>
-                <a:cs typeface="+mn-cs"/>
-              </a:defRPr>
-            </a:lvl8pPr>
-            <a:lvl9pPr marL="2880360" indent="-320040" algn="l" defTabSz="914400" rtl="0" eaLnBrk="1" latinLnBrk="0" hangingPunct="1">
-              <a:lnSpc>
-                <a:spcPct val="111000"/>
-              </a:lnSpc>
-              <a:spcBef>
-                <a:spcPts val="930"/>
-              </a:spcBef>
-              <a:buFont typeface="Corbel" panose="020B0503020204020204" pitchFamily="34" charset="0"/>
-              <a:buChar char="–"/>
-              <a:defRPr sz="1400" i="1" kern="1200">
-                <a:solidFill>
-                  <a:schemeClr val="accent1">
-                    <a:lumMod val="75000"/>
-                  </a:schemeClr>
-                </a:solidFill>
-                <a:latin typeface="+mn-lt"/>
-                <a:ea typeface="+mn-ea"/>
-                <a:cs typeface="+mn-cs"/>
-              </a:defRPr>
-            </a:lvl9pPr>
-          </a:lstStyle>
-          <a:p>
-            <a:pPr>
-              <a:buClr>
-                <a:srgbClr val="BD252F"/>
-              </a:buClr>
-              <a:buFont typeface="Wingdings" pitchFamily="2" charset="2"/>
-              <a:buChar char="v"/>
-            </a:pPr>
-            <a:r>
-              <a:rPr lang="en-US" dirty="0"/>
-              <a:t>More robust data set with additional features would increase predictability</a:t>
-            </a:r>
-          </a:p>
-          <a:p>
-            <a:pPr>
-              <a:buClr>
-                <a:srgbClr val="BD252F"/>
-              </a:buClr>
-              <a:buFont typeface="Wingdings" pitchFamily="2" charset="2"/>
-              <a:buChar char="v"/>
-            </a:pPr>
-            <a:endParaRPr lang="en-US" dirty="0"/>
-          </a:p>
-        </p:txBody>
-      </p:sp>
-    </p:spTree>
-    <p:extLst>
-      <p:ext uri="{BB962C8B-B14F-4D97-AF65-F5344CB8AC3E}">
-        <p14:creationId xmlns:p14="http://schemas.microsoft.com/office/powerpoint/2010/main" val="1109332271"/>
-      </p:ext>
-    </p:extLst>
-  </p:cSld>
-  <p:clrMapOvr>
-    <a:masterClrMapping/>
-  </p:clrMapOvr>
-</p:sld>
-</file>
-
-<file path=ppt/slides/slide17.xml><?xml version="1.0" encoding="utf-8"?>
 <p:sld xmlns:a="http://schemas.openxmlformats.org/drawingml/2006/main" xmlns:r="http://schemas.openxmlformats.org/officeDocument/2006/relationships" xmlns:p="http://schemas.openxmlformats.org/presentationml/2006/main">
   <p:cSld>
     <p:spTree>
@@ -15610,7 +14741,7 @@
             <a:fld id="{FAEF9944-A4F6-4C59-AEBD-678D6480B8EA}" type="slidenum">
               <a:rPr lang="en-US" smtClean="0"/>
               <a:pPr/>
-              <a:t>17</a:t>
+              <a:t>16</a:t>
             </a:fld>
             <a:endParaRPr lang="en-US" dirty="0"/>
           </a:p>

--- a/Project4.pptx
+++ b/Project4.pptx
@@ -2408,40 +2408,6 @@
       </p:sp>
       <p:sp>
         <p:nvSpPr>
-          <p:cNvPr id="58" name="Footer Placeholder 4">
-            <a:extLst>
-              <a:ext uri="{FF2B5EF4-FFF2-40B4-BE49-F238E27FC236}">
-                <a16:creationId xmlns:a16="http://schemas.microsoft.com/office/drawing/2014/main" id="{15A37EDE-F10B-4C4B-9572-8778C2D6A686}"/>
-              </a:ext>
-            </a:extLst>
-          </p:cNvPr>
-          <p:cNvSpPr>
-            <a:spLocks noGrp="1"/>
-          </p:cNvSpPr>
-          <p:nvPr>
-            <p:ph type="ftr" sz="quarter" idx="11"/>
-          </p:nvPr>
-        </p:nvSpPr>
-        <p:spPr>
-          <a:xfrm>
-            <a:off x="1635103" y="6309360"/>
-            <a:ext cx="4797504" cy="457200"/>
-          </a:xfrm>
-        </p:spPr>
-        <p:txBody>
-          <a:bodyPr/>
-          <a:lstStyle/>
-          <a:p>
-            <a:pPr algn="l"/>
-            <a:r>
-              <a:rPr lang="en-US" dirty="0"/>
-              <a:t>Presentation Title</a:t>
-            </a:r>
-          </a:p>
-        </p:txBody>
-      </p:sp>
-      <p:sp>
-        <p:nvSpPr>
           <p:cNvPr id="61" name="Date Placeholder 35">
             <a:extLst>
               <a:ext uri="{FF2B5EF4-FFF2-40B4-BE49-F238E27FC236}">
@@ -6707,51 +6673,6 @@
             <a:r>
               <a:rPr lang="en-US" dirty="0"/>
               <a:t>Click to add text</a:t>
-            </a:r>
-          </a:p>
-        </p:txBody>
-      </p:sp>
-      <p:sp>
-        <p:nvSpPr>
-          <p:cNvPr id="31" name="Footer Placeholder 4">
-            <a:extLst>
-              <a:ext uri="{FF2B5EF4-FFF2-40B4-BE49-F238E27FC236}">
-                <a16:creationId xmlns:a16="http://schemas.microsoft.com/office/drawing/2014/main" id="{CA12CF76-B207-465C-A494-3C57818ACCE6}"/>
-              </a:ext>
-            </a:extLst>
-          </p:cNvPr>
-          <p:cNvSpPr>
-            <a:spLocks noGrp="1"/>
-          </p:cNvSpPr>
-          <p:nvPr>
-            <p:ph type="ftr" sz="quarter" idx="11"/>
-          </p:nvPr>
-        </p:nvSpPr>
-        <p:spPr>
-          <a:xfrm>
-            <a:off x="261906" y="6309360"/>
-            <a:ext cx="4097030" cy="457200"/>
-          </a:xfrm>
-        </p:spPr>
-        <p:txBody>
-          <a:bodyPr/>
-          <a:lstStyle>
-            <a:lvl1pPr>
-              <a:defRPr>
-                <a:effectLst>
-                  <a:outerShdw blurRad="50800" dist="38100" dir="240000" algn="ctr" rotWithShape="0">
-                    <a:schemeClr val="tx1">
-                      <a:alpha val="43000"/>
-                    </a:schemeClr>
-                  </a:outerShdw>
-                </a:effectLst>
-              </a:defRPr>
-            </a:lvl1pPr>
-          </a:lstStyle>
-          <a:p>
-            <a:r>
-              <a:rPr lang="en-US" dirty="0"/>
-              <a:t>Presentation Title</a:t>
             </a:r>
           </a:p>
         </p:txBody>
@@ -13367,39 +13288,6 @@
       </p:pic>
       <p:sp>
         <p:nvSpPr>
-          <p:cNvPr id="17" name="Footer Placeholder 16">
-            <a:extLst>
-              <a:ext uri="{FF2B5EF4-FFF2-40B4-BE49-F238E27FC236}">
-                <a16:creationId xmlns:a16="http://schemas.microsoft.com/office/drawing/2014/main" id="{A7A34B0D-1722-4024-BC6E-2A411B0AF724}"/>
-              </a:ext>
-            </a:extLst>
-          </p:cNvPr>
-          <p:cNvSpPr>
-            <a:spLocks noGrp="1"/>
-          </p:cNvSpPr>
-          <p:nvPr>
-            <p:ph type="ftr" sz="quarter" idx="11"/>
-          </p:nvPr>
-        </p:nvSpPr>
-        <p:spPr>
-          <a:xfrm>
-            <a:off x="642917" y="6309360"/>
-            <a:ext cx="3271516" cy="457200"/>
-          </a:xfrm>
-        </p:spPr>
-        <p:txBody>
-          <a:bodyPr/>
-          <a:lstStyle/>
-          <a:p>
-            <a:r>
-              <a:rPr lang="en-US" dirty="0"/>
-              <a:t>Presentation Title</a:t>
-            </a:r>
-          </a:p>
-        </p:txBody>
-      </p:sp>
-      <p:sp>
-        <p:nvSpPr>
           <p:cNvPr id="18" name="Slide Number Placeholder 17">
             <a:extLst>
               <a:ext uri="{FF2B5EF4-FFF2-40B4-BE49-F238E27FC236}">
@@ -14827,7 +14715,7 @@
             <a:picLocks noGrp="1" noChangeAspect="1"/>
           </p:cNvPicPr>
           <p:nvPr>
-            <p:ph type="pic" sz="quarter" idx="14"/>
+            <p:ph type="pic" sz="quarter" idx="4294967295"/>
           </p:nvPr>
         </p:nvPicPr>
         <p:blipFill rotWithShape="1">
@@ -14882,39 +14770,6 @@
           </a:xfrm>
         </p:spPr>
       </p:pic>
-      <p:sp>
-        <p:nvSpPr>
-          <p:cNvPr id="22" name="Footer Placeholder 21">
-            <a:extLst>
-              <a:ext uri="{FF2B5EF4-FFF2-40B4-BE49-F238E27FC236}">
-                <a16:creationId xmlns:a16="http://schemas.microsoft.com/office/drawing/2014/main" id="{A0C89215-7880-40F7-A389-2C9A09EE3692}"/>
-              </a:ext>
-            </a:extLst>
-          </p:cNvPr>
-          <p:cNvSpPr>
-            <a:spLocks noGrp="1"/>
-          </p:cNvSpPr>
-          <p:nvPr>
-            <p:ph type="ftr" sz="quarter" idx="11"/>
-          </p:nvPr>
-        </p:nvSpPr>
-        <p:spPr>
-          <a:xfrm>
-            <a:off x="261906" y="6309360"/>
-            <a:ext cx="4097030" cy="457200"/>
-          </a:xfrm>
-        </p:spPr>
-        <p:txBody>
-          <a:bodyPr/>
-          <a:lstStyle/>
-          <a:p>
-            <a:r>
-              <a:rPr lang="en-US" dirty="0"/>
-              <a:t>Presentation Title</a:t>
-            </a:r>
-          </a:p>
-        </p:txBody>
-      </p:sp>
       <p:sp>
         <p:nvSpPr>
           <p:cNvPr id="23" name="Slide Number Placeholder 22">
@@ -16679,39 +16534,6 @@
       </p:pic>
       <p:sp>
         <p:nvSpPr>
-          <p:cNvPr id="23" name="Footer Placeholder 22">
-            <a:extLst>
-              <a:ext uri="{FF2B5EF4-FFF2-40B4-BE49-F238E27FC236}">
-                <a16:creationId xmlns:a16="http://schemas.microsoft.com/office/drawing/2014/main" id="{C50BB1C4-223C-42B9-AF6A-F40E305B1A0E}"/>
-              </a:ext>
-            </a:extLst>
-          </p:cNvPr>
-          <p:cNvSpPr>
-            <a:spLocks noGrp="1"/>
-          </p:cNvSpPr>
-          <p:nvPr>
-            <p:ph type="ftr" sz="quarter" idx="4294967295"/>
-          </p:nvPr>
-        </p:nvSpPr>
-        <p:spPr>
-          <a:xfrm>
-            <a:off x="787178" y="6309360"/>
-            <a:ext cx="6623040" cy="457200"/>
-          </a:xfrm>
-        </p:spPr>
-        <p:txBody>
-          <a:bodyPr/>
-          <a:lstStyle/>
-          <a:p>
-            <a:r>
-              <a:rPr lang="en-US" dirty="0"/>
-              <a:t>Presentation Title</a:t>
-            </a:r>
-          </a:p>
-        </p:txBody>
-      </p:sp>
-      <p:sp>
-        <p:nvSpPr>
           <p:cNvPr id="24" name="Slide Number Placeholder 23">
             <a:extLst>
               <a:ext uri="{FF2B5EF4-FFF2-40B4-BE49-F238E27FC236}">
@@ -17180,64 +17002,6 @@
               <a:rPr lang="en-US" sz="1200" dirty="0"/>
               <a:t> library to show relationships between every feature</a:t>
             </a:r>
-          </a:p>
-          <a:p>
-            <a:pPr marL="285750" indent="-285750" algn="l">
-              <a:buClr>
-                <a:srgbClr val="BD252F"/>
-              </a:buClr>
-              <a:buFont typeface="Wingdings" pitchFamily="2" charset="2"/>
-              <a:buChar char="v"/>
-            </a:pPr>
-            <a:endParaRPr lang="en-US" sz="1200" dirty="0"/>
-          </a:p>
-          <a:p>
-            <a:pPr marL="285750" indent="-285750" algn="l">
-              <a:buClr>
-                <a:srgbClr val="BD252F"/>
-              </a:buClr>
-              <a:buFont typeface="Wingdings" pitchFamily="2" charset="2"/>
-              <a:buChar char="v"/>
-            </a:pPr>
-            <a:endParaRPr lang="en-US" sz="1200" dirty="0"/>
-          </a:p>
-          <a:p>
-            <a:pPr marL="285750" indent="-285750" algn="l">
-              <a:buClr>
-                <a:srgbClr val="BD252F"/>
-              </a:buClr>
-              <a:buFont typeface="Wingdings" pitchFamily="2" charset="2"/>
-              <a:buChar char="v"/>
-            </a:pPr>
-            <a:endParaRPr lang="en-US" sz="1200" dirty="0"/>
-          </a:p>
-          <a:p>
-            <a:pPr marL="285750" indent="-285750" algn="l">
-              <a:buClr>
-                <a:srgbClr val="BD252F"/>
-              </a:buClr>
-              <a:buFont typeface="Wingdings" pitchFamily="2" charset="2"/>
-              <a:buChar char="v"/>
-            </a:pPr>
-            <a:endParaRPr lang="en-US" sz="1200" dirty="0"/>
-          </a:p>
-          <a:p>
-            <a:pPr marL="285750" indent="-285750" algn="l">
-              <a:buClr>
-                <a:srgbClr val="BD252F"/>
-              </a:buClr>
-              <a:buFont typeface="Wingdings" pitchFamily="2" charset="2"/>
-              <a:buChar char="v"/>
-            </a:pPr>
-            <a:endParaRPr lang="en-US" sz="1200" dirty="0"/>
-          </a:p>
-          <a:p>
-            <a:pPr algn="l">
-              <a:buClr>
-                <a:srgbClr val="BD252F"/>
-              </a:buClr>
-            </a:pPr>
-            <a:endParaRPr lang="en-US" sz="1200" dirty="0"/>
           </a:p>
         </p:txBody>
       </p:sp>
